--- a/Presentation.pptx
+++ b/Presentation.pptx
@@ -10,15 +10,15 @@
   <p:sldIdLst>
     <p:sldId id="256" r:id="rId2"/>
     <p:sldId id="257" r:id="rId3"/>
-    <p:sldId id="284" r:id="rId4"/>
-    <p:sldId id="285" r:id="rId5"/>
-    <p:sldId id="286" r:id="rId6"/>
-    <p:sldId id="287" r:id="rId7"/>
-    <p:sldId id="288" r:id="rId8"/>
-    <p:sldId id="289" r:id="rId9"/>
-    <p:sldId id="290" r:id="rId10"/>
-    <p:sldId id="291" r:id="rId11"/>
-    <p:sldId id="259" r:id="rId12"/>
+    <p:sldId id="293" r:id="rId4"/>
+    <p:sldId id="294" r:id="rId5"/>
+    <p:sldId id="287" r:id="rId6"/>
+    <p:sldId id="288" r:id="rId7"/>
+    <p:sldId id="295" r:id="rId8"/>
+    <p:sldId id="291" r:id="rId9"/>
+    <p:sldId id="289" r:id="rId10"/>
+    <p:sldId id="290" r:id="rId11"/>
+    <p:sldId id="286" r:id="rId12"/>
     <p:sldId id="292" r:id="rId13"/>
   </p:sldIdLst>
   <p:sldSz cx="9144000" cy="5143500" type="screen16x9"/>
@@ -812,6 +812,545 @@
 </p:notes>
 </file>
 
+<file path=ppt/notesSlides/notesSlide10.xml><?xml version="1.0" encoding="utf-8"?>
+<p:notes xmlns:a="http://schemas.openxmlformats.org/drawingml/2006/main" xmlns:r="http://schemas.openxmlformats.org/officeDocument/2006/relationships" xmlns:p="http://schemas.openxmlformats.org/presentationml/2006/main">
+  <p:cSld>
+    <p:spTree>
+      <p:nvGrpSpPr>
+        <p:cNvPr id="1" name=""/>
+        <p:cNvGrpSpPr/>
+        <p:nvPr/>
+      </p:nvGrpSpPr>
+      <p:grpSpPr>
+        <a:xfrm>
+          <a:off x="0" y="0"/>
+          <a:ext cx="0" cy="0"/>
+          <a:chOff x="0" y="0"/>
+          <a:chExt cx="0" cy="0"/>
+        </a:xfrm>
+      </p:grpSpPr>
+      <p:sp>
+        <p:nvSpPr>
+          <p:cNvPr id="2" name="Образ слайда 1"/>
+          <p:cNvSpPr>
+            <a:spLocks noGrp="1" noRot="1" noChangeAspect="1"/>
+          </p:cNvSpPr>
+          <p:nvPr>
+            <p:ph type="sldImg"/>
+          </p:nvPr>
+        </p:nvSpPr>
+        <p:spPr/>
+      </p:sp>
+      <p:sp>
+        <p:nvSpPr>
+          <p:cNvPr id="3" name="Заметки 2"/>
+          <p:cNvSpPr>
+            <a:spLocks noGrp="1"/>
+          </p:cNvSpPr>
+          <p:nvPr>
+            <p:ph type="body" idx="1"/>
+          </p:nvPr>
+        </p:nvSpPr>
+        <p:spPr/>
+        <p:txBody>
+          <a:bodyPr>
+            <a:normAutofit/>
+          </a:bodyPr>
+          <a:lstStyle/>
+          <a:p>
+            <a:pPr marL="457200" marR="0" indent="-317500" algn="l" defTabSz="914400" rtl="0" eaLnBrk="1" fontAlgn="auto" latinLnBrk="0" hangingPunct="1">
+              <a:lnSpc>
+                <a:spcPct val="100000"/>
+              </a:lnSpc>
+              <a:spcBef>
+                <a:spcPts val="0"/>
+              </a:spcBef>
+              <a:spcAft>
+                <a:spcPts val="0"/>
+              </a:spcAft>
+              <a:buClr>
+                <a:srgbClr val="000000"/>
+              </a:buClr>
+              <a:buSzPts val="1400"/>
+              <a:buFont typeface="Arial"/>
+              <a:buChar char="●"/>
+              <a:tabLst/>
+              <a:defRPr/>
+            </a:pPr>
+            <a:r>
+              <a:rPr lang="ru-RU" sz="1100" b="0" i="0" u="none" strike="noStrike" cap="none" dirty="0" smtClean="0">
+                <a:solidFill>
+                  <a:srgbClr val="000000"/>
+                </a:solidFill>
+                <a:latin typeface="Arial"/>
+                <a:ea typeface="Arial"/>
+                <a:cs typeface="Arial"/>
+                <a:sym typeface="Arial"/>
+              </a:rPr>
+              <a:t>В режиме </a:t>
+            </a:r>
+            <a:r>
+              <a:rPr lang="en-US" sz="1100" b="0" i="0" u="none" strike="noStrike" cap="none" dirty="0" smtClean="0">
+                <a:solidFill>
+                  <a:srgbClr val="000000"/>
+                </a:solidFill>
+                <a:latin typeface="Arial"/>
+                <a:ea typeface="Arial"/>
+                <a:cs typeface="Arial"/>
+                <a:sym typeface="Arial"/>
+              </a:rPr>
+              <a:t>Tutorial</a:t>
+            </a:r>
+            <a:r>
+              <a:rPr lang="ru-RU" sz="1100" b="0" i="0" u="none" strike="noStrike" cap="none" dirty="0" smtClean="0">
+                <a:solidFill>
+                  <a:srgbClr val="000000"/>
+                </a:solidFill>
+                <a:latin typeface="Arial"/>
+                <a:ea typeface="Arial"/>
+                <a:cs typeface="Arial"/>
+                <a:sym typeface="Arial"/>
+              </a:rPr>
+              <a:t> игрок обучается основным элементам </a:t>
+            </a:r>
+            <a:r>
+              <a:rPr lang="ru-RU" sz="1100" b="0" i="0" u="none" strike="noStrike" cap="none" dirty="0" err="1" smtClean="0">
+                <a:solidFill>
+                  <a:srgbClr val="000000"/>
+                </a:solidFill>
+                <a:latin typeface="Arial"/>
+                <a:ea typeface="Arial"/>
+                <a:cs typeface="Arial"/>
+                <a:sym typeface="Arial"/>
+              </a:rPr>
+              <a:t>геймплея</a:t>
+            </a:r>
+            <a:endParaRPr lang="ru-RU" sz="1100" b="0" i="0" u="none" strike="noStrike" cap="none" dirty="0" smtClean="0">
+              <a:solidFill>
+                <a:srgbClr val="000000"/>
+              </a:solidFill>
+              <a:latin typeface="Arial"/>
+              <a:ea typeface="Arial"/>
+              <a:cs typeface="Arial"/>
+              <a:sym typeface="Arial"/>
+            </a:endParaRPr>
+          </a:p>
+          <a:p>
+            <a:endParaRPr lang="ru-RU" dirty="0"/>
+          </a:p>
+        </p:txBody>
+      </p:sp>
+    </p:spTree>
+  </p:cSld>
+  <p:clrMapOvr>
+    <a:masterClrMapping/>
+  </p:clrMapOvr>
+</p:notes>
+</file>
+
+<file path=ppt/notesSlides/notesSlide11.xml><?xml version="1.0" encoding="utf-8"?>
+<p:notes xmlns:a="http://schemas.openxmlformats.org/drawingml/2006/main" xmlns:r="http://schemas.openxmlformats.org/officeDocument/2006/relationships" xmlns:p="http://schemas.openxmlformats.org/presentationml/2006/main">
+  <p:cSld>
+    <p:spTree>
+      <p:nvGrpSpPr>
+        <p:cNvPr id="1" name=""/>
+        <p:cNvGrpSpPr/>
+        <p:nvPr/>
+      </p:nvGrpSpPr>
+      <p:grpSpPr>
+        <a:xfrm>
+          <a:off x="0" y="0"/>
+          <a:ext cx="0" cy="0"/>
+          <a:chOff x="0" y="0"/>
+          <a:chExt cx="0" cy="0"/>
+        </a:xfrm>
+      </p:grpSpPr>
+      <p:sp>
+        <p:nvSpPr>
+          <p:cNvPr id="2" name="Образ слайда 1"/>
+          <p:cNvSpPr>
+            <a:spLocks noGrp="1" noRot="1" noChangeAspect="1"/>
+          </p:cNvSpPr>
+          <p:nvPr>
+            <p:ph type="sldImg"/>
+          </p:nvPr>
+        </p:nvSpPr>
+        <p:spPr/>
+      </p:sp>
+      <p:sp>
+        <p:nvSpPr>
+          <p:cNvPr id="3" name="Заметки 2"/>
+          <p:cNvSpPr>
+            <a:spLocks noGrp="1"/>
+          </p:cNvSpPr>
+          <p:nvPr>
+            <p:ph type="body" idx="1"/>
+          </p:nvPr>
+        </p:nvSpPr>
+        <p:spPr/>
+        <p:txBody>
+          <a:bodyPr>
+            <a:normAutofit/>
+          </a:bodyPr>
+          <a:lstStyle/>
+          <a:p>
+            <a:r>
+              <a:rPr lang="ru-RU" sz="1100" b="0" i="0" u="none" strike="noStrike" cap="none" dirty="0" smtClean="0">
+                <a:solidFill>
+                  <a:srgbClr val="000000"/>
+                </a:solidFill>
+                <a:latin typeface="Arial"/>
+                <a:ea typeface="Arial"/>
+                <a:cs typeface="Arial"/>
+                <a:sym typeface="Arial"/>
+              </a:rPr>
+              <a:t>Я решил писать весь код игры в одном файле, изображения, аудио файлы я поместил в отдельной папке. </a:t>
+            </a:r>
+          </a:p>
+          <a:p>
+            <a:r>
+              <a:rPr lang="ru-RU" sz="1100" b="0" i="0" u="none" strike="noStrike" cap="none" dirty="0" smtClean="0">
+                <a:solidFill>
+                  <a:srgbClr val="000000"/>
+                </a:solidFill>
+                <a:latin typeface="Arial"/>
+                <a:ea typeface="Arial"/>
+                <a:cs typeface="Arial"/>
+                <a:sym typeface="Arial"/>
+              </a:rPr>
+              <a:t>	Код игры представляет собой отдельные игровые циклы для каждого режима, помещённые в один большой игровой цикл. Спрайты и статичные объекты </a:t>
+            </a:r>
+            <a:r>
+              <a:rPr lang="ru-RU" sz="1100" b="0" i="0" u="none" strike="noStrike" cap="none" dirty="0" err="1" smtClean="0">
+                <a:solidFill>
+                  <a:srgbClr val="000000"/>
+                </a:solidFill>
+                <a:latin typeface="Arial"/>
+                <a:ea typeface="Arial"/>
+                <a:cs typeface="Arial"/>
+                <a:sym typeface="Arial"/>
+              </a:rPr>
+              <a:t>отрисовываются</a:t>
+            </a:r>
+            <a:r>
+              <a:rPr lang="ru-RU" sz="1100" b="0" i="0" u="none" strike="noStrike" cap="none" dirty="0" smtClean="0">
+                <a:solidFill>
+                  <a:srgbClr val="000000"/>
+                </a:solidFill>
+                <a:latin typeface="Arial"/>
+                <a:ea typeface="Arial"/>
+                <a:cs typeface="Arial"/>
+                <a:sym typeface="Arial"/>
+              </a:rPr>
+              <a:t> на экране в отдельной функции.</a:t>
+            </a:r>
+          </a:p>
+          <a:p>
+            <a:r>
+              <a:rPr lang="ru-RU" sz="1100" b="0" i="0" u="none" strike="noStrike" cap="none" dirty="0" smtClean="0">
+                <a:solidFill>
+                  <a:srgbClr val="000000"/>
+                </a:solidFill>
+                <a:latin typeface="Arial"/>
+                <a:ea typeface="Arial"/>
+                <a:cs typeface="Arial"/>
+                <a:sym typeface="Arial"/>
+              </a:rPr>
+              <a:t>	Код заставки, меню паузы, главного меню, заставки окончания игры и таблицы лидеров также помещены в отдельные функции. </a:t>
+            </a:r>
+          </a:p>
+          <a:p>
+            <a:endParaRPr lang="ru-RU" dirty="0"/>
+          </a:p>
+        </p:txBody>
+      </p:sp>
+    </p:spTree>
+  </p:cSld>
+  <p:clrMapOvr>
+    <a:masterClrMapping/>
+  </p:clrMapOvr>
+</p:notes>
+</file>
+
+<file path=ppt/notesSlides/notesSlide12.xml><?xml version="1.0" encoding="utf-8"?>
+<p:notes xmlns:a="http://schemas.openxmlformats.org/drawingml/2006/main" xmlns:r="http://schemas.openxmlformats.org/officeDocument/2006/relationships" xmlns:p="http://schemas.openxmlformats.org/presentationml/2006/main">
+  <p:cSld>
+    <p:spTree>
+      <p:nvGrpSpPr>
+        <p:cNvPr id="1" name=""/>
+        <p:cNvGrpSpPr/>
+        <p:nvPr/>
+      </p:nvGrpSpPr>
+      <p:grpSpPr>
+        <a:xfrm>
+          <a:off x="0" y="0"/>
+          <a:ext cx="0" cy="0"/>
+          <a:chOff x="0" y="0"/>
+          <a:chExt cx="0" cy="0"/>
+        </a:xfrm>
+      </p:grpSpPr>
+      <p:sp>
+        <p:nvSpPr>
+          <p:cNvPr id="2" name="Образ слайда 1"/>
+          <p:cNvSpPr>
+            <a:spLocks noGrp="1" noRot="1" noChangeAspect="1"/>
+          </p:cNvSpPr>
+          <p:nvPr>
+            <p:ph type="sldImg"/>
+          </p:nvPr>
+        </p:nvSpPr>
+        <p:spPr/>
+      </p:sp>
+      <p:sp>
+        <p:nvSpPr>
+          <p:cNvPr id="3" name="Заметки 2"/>
+          <p:cNvSpPr>
+            <a:spLocks noGrp="1"/>
+          </p:cNvSpPr>
+          <p:nvPr>
+            <p:ph type="body" idx="1"/>
+          </p:nvPr>
+        </p:nvSpPr>
+        <p:spPr/>
+        <p:txBody>
+          <a:bodyPr>
+            <a:normAutofit/>
+          </a:bodyPr>
+          <a:lstStyle/>
+          <a:p>
+            <a:r>
+              <a:rPr lang="ru-RU" sz="1100" b="1" i="0" u="none" strike="noStrike" cap="none" dirty="0" smtClean="0">
+                <a:solidFill>
+                  <a:srgbClr val="000000"/>
+                </a:solidFill>
+                <a:latin typeface="Arial"/>
+                <a:ea typeface="Arial"/>
+                <a:cs typeface="Arial"/>
+                <a:sym typeface="Arial"/>
+              </a:rPr>
+              <a:t>Вывод</a:t>
+            </a:r>
+            <a:endParaRPr lang="ru-RU" sz="1100" b="0" i="0" u="none" strike="noStrike" cap="none" dirty="0" smtClean="0">
+              <a:solidFill>
+                <a:srgbClr val="000000"/>
+              </a:solidFill>
+              <a:latin typeface="Arial"/>
+              <a:ea typeface="Arial"/>
+              <a:cs typeface="Arial"/>
+              <a:sym typeface="Arial"/>
+            </a:endParaRPr>
+          </a:p>
+          <a:p>
+            <a:pPr lvl="0"/>
+            <a:r>
+              <a:rPr lang="ru-RU" sz="1100" b="0" i="0" u="none" strike="noStrike" cap="none" dirty="0" smtClean="0">
+                <a:solidFill>
+                  <a:srgbClr val="000000"/>
+                </a:solidFill>
+                <a:latin typeface="Arial"/>
+                <a:ea typeface="Arial"/>
+                <a:cs typeface="Arial"/>
+                <a:sym typeface="Arial"/>
+              </a:rPr>
+              <a:t>В планах доработать игру</a:t>
+            </a:r>
+            <a:r>
+              <a:rPr lang="en-US" sz="1100" b="0" i="0" u="none" strike="noStrike" cap="none" dirty="0" smtClean="0">
+                <a:solidFill>
+                  <a:srgbClr val="000000"/>
+                </a:solidFill>
+                <a:latin typeface="Arial"/>
+                <a:ea typeface="Arial"/>
+                <a:cs typeface="Arial"/>
+                <a:sym typeface="Arial"/>
+              </a:rPr>
+              <a:t>: </a:t>
+            </a:r>
+            <a:endParaRPr lang="ru-RU" sz="1100" b="0" i="0" u="none" strike="noStrike" cap="none" dirty="0" smtClean="0">
+              <a:solidFill>
+                <a:srgbClr val="000000"/>
+              </a:solidFill>
+              <a:latin typeface="Arial"/>
+              <a:ea typeface="Arial"/>
+              <a:cs typeface="Arial"/>
+              <a:sym typeface="Arial"/>
+            </a:endParaRPr>
+          </a:p>
+          <a:p>
+            <a:pPr lvl="0"/>
+            <a:r>
+              <a:rPr lang="ru-RU" sz="1100" b="0" i="0" u="none" strike="noStrike" cap="none" dirty="0" smtClean="0">
+                <a:solidFill>
+                  <a:srgbClr val="000000"/>
+                </a:solidFill>
+                <a:latin typeface="Arial"/>
+                <a:ea typeface="Arial"/>
+                <a:cs typeface="Arial"/>
+                <a:sym typeface="Arial"/>
+              </a:rPr>
+              <a:t>исправить мелкие </a:t>
+            </a:r>
+            <a:r>
+              <a:rPr lang="ru-RU" sz="1100" b="0" i="0" u="none" strike="noStrike" cap="none" dirty="0" err="1" smtClean="0">
+                <a:solidFill>
+                  <a:srgbClr val="000000"/>
+                </a:solidFill>
+                <a:latin typeface="Arial"/>
+                <a:ea typeface="Arial"/>
+                <a:cs typeface="Arial"/>
+                <a:sym typeface="Arial"/>
+              </a:rPr>
+              <a:t>баги</a:t>
+            </a:r>
+            <a:r>
+              <a:rPr lang="ru-RU" sz="1100" b="0" i="0" u="none" strike="noStrike" cap="none" dirty="0" smtClean="0">
+                <a:solidFill>
+                  <a:srgbClr val="000000"/>
+                </a:solidFill>
+                <a:latin typeface="Arial"/>
+                <a:ea typeface="Arial"/>
+                <a:cs typeface="Arial"/>
+                <a:sym typeface="Arial"/>
+              </a:rPr>
+              <a:t>,</a:t>
+            </a:r>
+          </a:p>
+          <a:p>
+            <a:pPr lvl="0"/>
+            <a:r>
+              <a:rPr lang="ru-RU" sz="1100" b="0" i="0" u="none" strike="noStrike" cap="none" dirty="0" smtClean="0">
+                <a:solidFill>
+                  <a:srgbClr val="000000"/>
+                </a:solidFill>
+                <a:latin typeface="Arial"/>
+                <a:ea typeface="Arial"/>
+                <a:cs typeface="Arial"/>
+                <a:sym typeface="Arial"/>
+              </a:rPr>
+              <a:t>проработать историю,</a:t>
+            </a:r>
+          </a:p>
+          <a:p>
+            <a:pPr lvl="0"/>
+            <a:r>
+              <a:rPr lang="ru-RU" sz="1100" b="0" i="0" u="none" strike="noStrike" cap="none" dirty="0" smtClean="0">
+                <a:solidFill>
+                  <a:srgbClr val="000000"/>
+                </a:solidFill>
+                <a:latin typeface="Arial"/>
+                <a:ea typeface="Arial"/>
+                <a:cs typeface="Arial"/>
+                <a:sym typeface="Arial"/>
+              </a:rPr>
+              <a:t>добавить новые элементы </a:t>
+            </a:r>
+            <a:r>
+              <a:rPr lang="ru-RU" sz="1100" b="0" i="0" u="none" strike="noStrike" cap="none" dirty="0" err="1" smtClean="0">
+                <a:solidFill>
+                  <a:srgbClr val="000000"/>
+                </a:solidFill>
+                <a:latin typeface="Arial"/>
+                <a:ea typeface="Arial"/>
+                <a:cs typeface="Arial"/>
+                <a:sym typeface="Arial"/>
+              </a:rPr>
+              <a:t>геймплея</a:t>
+            </a:r>
+            <a:r>
+              <a:rPr lang="ru-RU" sz="1100" b="0" i="0" u="none" strike="noStrike" cap="none" dirty="0" smtClean="0">
+                <a:solidFill>
+                  <a:srgbClr val="000000"/>
+                </a:solidFill>
+                <a:latin typeface="Arial"/>
+                <a:ea typeface="Arial"/>
+                <a:cs typeface="Arial"/>
+                <a:sym typeface="Arial"/>
+              </a:rPr>
+              <a:t>,</a:t>
+            </a:r>
+          </a:p>
+          <a:p>
+            <a:pPr lvl="0"/>
+            <a:r>
+              <a:rPr lang="ru-RU" sz="1100" b="0" i="0" u="none" strike="noStrike" cap="none" dirty="0" smtClean="0">
+                <a:solidFill>
+                  <a:srgbClr val="000000"/>
+                </a:solidFill>
+                <a:latin typeface="Arial"/>
+                <a:ea typeface="Arial"/>
+                <a:cs typeface="Arial"/>
+                <a:sym typeface="Arial"/>
+              </a:rPr>
+              <a:t>добавить уровни, врагов, </a:t>
+            </a:r>
+          </a:p>
+          <a:p>
+            <a:pPr lvl="0"/>
+            <a:r>
+              <a:rPr lang="ru-RU" sz="1100" b="0" i="0" u="none" strike="noStrike" cap="none" dirty="0" smtClean="0">
+                <a:solidFill>
+                  <a:srgbClr val="000000"/>
+                </a:solidFill>
+                <a:latin typeface="Arial"/>
+                <a:ea typeface="Arial"/>
+                <a:cs typeface="Arial"/>
+                <a:sym typeface="Arial"/>
+              </a:rPr>
+              <a:t>доработать поддержку </a:t>
+            </a:r>
+            <a:r>
+              <a:rPr lang="ru-RU" sz="1100" b="0" i="0" u="none" strike="noStrike" cap="none" dirty="0" err="1" smtClean="0">
+                <a:solidFill>
+                  <a:srgbClr val="000000"/>
+                </a:solidFill>
+                <a:latin typeface="Arial"/>
+                <a:ea typeface="Arial"/>
+                <a:cs typeface="Arial"/>
+                <a:sym typeface="Arial"/>
+              </a:rPr>
+              <a:t>геймпада</a:t>
+            </a:r>
+            <a:r>
+              <a:rPr lang="ru-RU" sz="1100" b="0" i="0" u="none" strike="noStrike" cap="none" dirty="0" smtClean="0">
+                <a:solidFill>
+                  <a:srgbClr val="000000"/>
+                </a:solidFill>
+                <a:latin typeface="Arial"/>
+                <a:ea typeface="Arial"/>
+                <a:cs typeface="Arial"/>
+                <a:sym typeface="Arial"/>
+              </a:rPr>
+              <a:t> </a:t>
+            </a:r>
+          </a:p>
+          <a:p>
+            <a:pPr lvl="0"/>
+            <a:r>
+              <a:rPr lang="ru-RU" sz="1100" b="0" i="0" u="none" strike="noStrike" cap="none" smtClean="0">
+                <a:solidFill>
+                  <a:srgbClr val="000000"/>
+                </a:solidFill>
+                <a:latin typeface="Arial"/>
+                <a:ea typeface="Arial"/>
+                <a:cs typeface="Arial"/>
+                <a:sym typeface="Arial"/>
+              </a:rPr>
+              <a:t>и многое другое…</a:t>
+            </a:r>
+          </a:p>
+          <a:p>
+            <a:endParaRPr lang="ru-RU"/>
+          </a:p>
+        </p:txBody>
+      </p:sp>
+    </p:spTree>
+  </p:cSld>
+  <p:clrMapOvr>
+    <a:masterClrMapping/>
+  </p:clrMapOvr>
+</p:notes>
+</file>
+
 <file path=ppt/notesSlides/notesSlide2.xml><?xml version="1.0" encoding="utf-8"?>
 <p:notes xmlns:a="http://schemas.openxmlformats.org/drawingml/2006/main" xmlns:r="http://schemas.openxmlformats.org/officeDocument/2006/relationships" xmlns:p="http://schemas.openxmlformats.org/presentationml/2006/main" showMasterSp="0" showMasterPhAnim="0">
   <p:cSld>
@@ -895,6 +1434,111 @@
           </a:bodyPr>
           <a:lstStyle/>
           <a:p>
+            <a:pPr marL="0" marR="0" lvl="0" indent="0" algn="l" defTabSz="914400" rtl="0" eaLnBrk="1" fontAlgn="auto" latinLnBrk="0" hangingPunct="1">
+              <a:lnSpc>
+                <a:spcPct val="100000"/>
+              </a:lnSpc>
+              <a:spcBef>
+                <a:spcPts val="0"/>
+              </a:spcBef>
+              <a:spcAft>
+                <a:spcPts val="0"/>
+              </a:spcAft>
+              <a:buClr>
+                <a:srgbClr val="000000"/>
+              </a:buClr>
+              <a:buSzPts val="1400"/>
+              <a:buFont typeface="Arial"/>
+              <a:buNone/>
+              <a:tabLst/>
+              <a:defRPr/>
+            </a:pPr>
+            <a:r>
+              <a:rPr lang="ru-RU" sz="1100" b="0" i="0" u="none" strike="noStrike" cap="none" dirty="0" smtClean="0">
+                <a:solidFill>
+                  <a:srgbClr val="000000"/>
+                </a:solidFill>
+                <a:latin typeface="Arial"/>
+                <a:ea typeface="Arial"/>
+                <a:cs typeface="Arial"/>
+                <a:sym typeface="Arial"/>
+              </a:rPr>
+              <a:t>Идеей проекта было создание двумерного </a:t>
+            </a:r>
+            <a:r>
+              <a:rPr lang="ru-RU" sz="1100" b="0" i="0" u="none" strike="noStrike" cap="none" dirty="0" err="1" smtClean="0">
+                <a:solidFill>
+                  <a:srgbClr val="000000"/>
+                </a:solidFill>
+                <a:latin typeface="Arial"/>
+                <a:ea typeface="Arial"/>
+                <a:cs typeface="Arial"/>
+                <a:sym typeface="Arial"/>
+              </a:rPr>
+              <a:t>шутера</a:t>
+            </a:r>
+            <a:r>
+              <a:rPr lang="ru-RU" sz="1100" b="0" i="0" u="none" strike="noStrike" cap="none" dirty="0" smtClean="0">
+                <a:solidFill>
+                  <a:srgbClr val="000000"/>
+                </a:solidFill>
+                <a:latin typeface="Arial"/>
+                <a:ea typeface="Arial"/>
+                <a:cs typeface="Arial"/>
+                <a:sym typeface="Arial"/>
+              </a:rPr>
+              <a:t>, напоминающего </a:t>
+            </a:r>
+            <a:r>
+              <a:rPr lang="en-US" sz="1100" b="0" i="0" u="none" strike="noStrike" cap="none" dirty="0" smtClean="0">
+                <a:solidFill>
+                  <a:srgbClr val="000000"/>
+                </a:solidFill>
+                <a:latin typeface="Arial"/>
+                <a:ea typeface="Arial"/>
+                <a:cs typeface="Arial"/>
+                <a:sym typeface="Arial"/>
+              </a:rPr>
+              <a:t>Contra</a:t>
+            </a:r>
+            <a:r>
+              <a:rPr lang="ru-RU" sz="1100" b="0" i="0" u="none" strike="noStrike" cap="none" dirty="0" smtClean="0">
+                <a:solidFill>
+                  <a:srgbClr val="000000"/>
+                </a:solidFill>
+                <a:latin typeface="Arial"/>
+                <a:ea typeface="Arial"/>
+                <a:cs typeface="Arial"/>
+                <a:sym typeface="Arial"/>
+              </a:rPr>
+              <a:t>, где действия происходят на одной локации. Я решил воссоздать классический </a:t>
+            </a:r>
+            <a:r>
+              <a:rPr lang="ru-RU" sz="1100" b="0" i="0" u="none" strike="noStrike" cap="none" dirty="0" err="1" smtClean="0">
+                <a:solidFill>
+                  <a:srgbClr val="000000"/>
+                </a:solidFill>
+                <a:latin typeface="Arial"/>
+                <a:ea typeface="Arial"/>
+                <a:cs typeface="Arial"/>
+                <a:sym typeface="Arial"/>
+              </a:rPr>
+              <a:t>геймплей</a:t>
+            </a:r>
+            <a:r>
+              <a:rPr lang="ru-RU" sz="1100" b="0" i="0" u="none" strike="noStrike" cap="none" dirty="0" smtClean="0">
+                <a:solidFill>
+                  <a:srgbClr val="000000"/>
+                </a:solidFill>
+                <a:latin typeface="Arial"/>
+                <a:ea typeface="Arial"/>
+                <a:cs typeface="Arial"/>
+                <a:sym typeface="Arial"/>
+              </a:rPr>
+              <a:t> для подобных игр. </a:t>
+            </a:r>
+          </a:p>
+          <a:p>
             <a:pPr marL="0" lvl="0" indent="0" algn="l" rtl="0">
               <a:spcBef>
                 <a:spcPts val="0"/>
@@ -904,7 +1548,7 @@
               </a:spcAft>
               <a:buNone/>
             </a:pPr>
-            <a:endParaRPr/>
+            <a:endParaRPr dirty="0"/>
           </a:p>
         </p:txBody>
       </p:sp>
@@ -917,11 +1561,11 @@
 </file>
 
 <file path=ppt/notesSlides/notesSlide3.xml><?xml version="1.0" encoding="utf-8"?>
-<p:notes xmlns:a="http://schemas.openxmlformats.org/drawingml/2006/main" xmlns:r="http://schemas.openxmlformats.org/officeDocument/2006/relationships" xmlns:p="http://schemas.openxmlformats.org/presentationml/2006/main" showMasterSp="0" showMasterPhAnim="0">
+<p:notes xmlns:a="http://schemas.openxmlformats.org/drawingml/2006/main" xmlns:r="http://schemas.openxmlformats.org/officeDocument/2006/relationships" xmlns:p="http://schemas.openxmlformats.org/presentationml/2006/main">
   <p:cSld>
     <p:spTree>
       <p:nvGrpSpPr>
-        <p:cNvPr id="1" name="Shape 214"/>
+        <p:cNvPr id="1" name=""/>
         <p:cNvGrpSpPr/>
         <p:nvPr/>
       </p:nvGrpSpPr>
@@ -935,80 +1579,815 @@
       </p:grpSpPr>
       <p:sp>
         <p:nvSpPr>
-          <p:cNvPr id="215" name="Google Shape;215;g35f391192_029:notes"/>
+          <p:cNvPr id="2" name="Образ слайда 1"/>
           <p:cNvSpPr>
             <a:spLocks noGrp="1" noRot="1" noChangeAspect="1"/>
           </p:cNvSpPr>
           <p:nvPr>
-            <p:ph type="sldImg" idx="2"/>
+            <p:ph type="sldImg"/>
           </p:nvPr>
         </p:nvSpPr>
-        <p:spPr>
-          <a:xfrm>
-            <a:off x="381000" y="685800"/>
-            <a:ext cx="6096000" cy="3429000"/>
-          </a:xfrm>
-          <a:custGeom>
-            <a:avLst/>
-            <a:gdLst/>
-            <a:ahLst/>
-            <a:cxnLst/>
-            <a:rect l="l" t="t" r="r" b="b"/>
-            <a:pathLst>
-              <a:path w="120000" h="120000" extrusionOk="0">
-                <a:moveTo>
-                  <a:pt x="0" y="0"/>
-                </a:moveTo>
-                <a:lnTo>
-                  <a:pt x="120000" y="0"/>
-                </a:lnTo>
-                <a:lnTo>
-                  <a:pt x="120000" y="120000"/>
-                </a:lnTo>
-                <a:lnTo>
-                  <a:pt x="0" y="120000"/>
-                </a:lnTo>
-                <a:close/>
-              </a:path>
-            </a:pathLst>
-          </a:custGeom>
-        </p:spPr>
+        <p:spPr/>
       </p:sp>
       <p:sp>
         <p:nvSpPr>
-          <p:cNvPr id="216" name="Google Shape;216;g35f391192_029:notes"/>
-          <p:cNvSpPr txBox="1">
+          <p:cNvPr id="3" name="Заметки 2"/>
+          <p:cNvSpPr>
             <a:spLocks noGrp="1"/>
           </p:cNvSpPr>
           <p:nvPr>
             <p:ph type="body" idx="1"/>
           </p:nvPr>
         </p:nvSpPr>
-        <p:spPr>
-          <a:xfrm>
-            <a:off x="685800" y="4343400"/>
-            <a:ext cx="5486400" cy="4114800"/>
-          </a:xfrm>
-          <a:prstGeom prst="rect">
-            <a:avLst/>
-          </a:prstGeom>
-        </p:spPr>
+        <p:spPr/>
         <p:txBody>
-          <a:bodyPr spcFirstLastPara="1" wrap="square" lIns="91425" tIns="91425" rIns="91425" bIns="91425" anchor="t" anchorCtr="0">
-            <a:noAutofit/>
+          <a:bodyPr>
+            <a:normAutofit/>
           </a:bodyPr>
           <a:lstStyle/>
           <a:p>
-            <a:pPr marL="0" lvl="0" indent="0" algn="l" rtl="0">
-              <a:spcBef>
-                <a:spcPts val="0"/>
-              </a:spcBef>
-              <a:spcAft>
-                <a:spcPts val="0"/>
-              </a:spcAft>
-              <a:buNone/>
+            <a:r>
+              <a:rPr lang="ru-RU" sz="1100" b="0" i="0" u="none" strike="noStrike" cap="none" dirty="0" smtClean="0">
+                <a:solidFill>
+                  <a:srgbClr val="000000"/>
+                </a:solidFill>
+                <a:latin typeface="Arial"/>
+                <a:ea typeface="Arial"/>
+                <a:cs typeface="Arial"/>
+                <a:sym typeface="Arial"/>
+              </a:rPr>
+              <a:t>Сюжет игры очень прост: космический корабль героя терпит крушение на враждебной планете. </a:t>
+            </a:r>
+            <a:endParaRPr lang="ru-RU" dirty="0"/>
+          </a:p>
+        </p:txBody>
+      </p:sp>
+    </p:spTree>
+  </p:cSld>
+  <p:clrMapOvr>
+    <a:masterClrMapping/>
+  </p:clrMapOvr>
+</p:notes>
+</file>
+
+<file path=ppt/notesSlides/notesSlide4.xml><?xml version="1.0" encoding="utf-8"?>
+<p:notes xmlns:a="http://schemas.openxmlformats.org/drawingml/2006/main" xmlns:r="http://schemas.openxmlformats.org/officeDocument/2006/relationships" xmlns:p="http://schemas.openxmlformats.org/presentationml/2006/main">
+  <p:cSld>
+    <p:spTree>
+      <p:nvGrpSpPr>
+        <p:cNvPr id="1" name=""/>
+        <p:cNvGrpSpPr/>
+        <p:nvPr/>
+      </p:nvGrpSpPr>
+      <p:grpSpPr>
+        <a:xfrm>
+          <a:off x="0" y="0"/>
+          <a:ext cx="0" cy="0"/>
+          <a:chOff x="0" y="0"/>
+          <a:chExt cx="0" cy="0"/>
+        </a:xfrm>
+      </p:grpSpPr>
+      <p:sp>
+        <p:nvSpPr>
+          <p:cNvPr id="2" name="Образ слайда 1"/>
+          <p:cNvSpPr>
+            <a:spLocks noGrp="1" noRot="1" noChangeAspect="1"/>
+          </p:cNvSpPr>
+          <p:nvPr>
+            <p:ph type="sldImg"/>
+          </p:nvPr>
+        </p:nvSpPr>
+        <p:spPr/>
+      </p:sp>
+      <p:sp>
+        <p:nvSpPr>
+          <p:cNvPr id="3" name="Заметки 2"/>
+          <p:cNvSpPr>
+            <a:spLocks noGrp="1"/>
+          </p:cNvSpPr>
+          <p:nvPr>
+            <p:ph type="body" idx="1"/>
+          </p:nvPr>
+        </p:nvSpPr>
+        <p:spPr/>
+        <p:txBody>
+          <a:bodyPr>
+            <a:normAutofit/>
+          </a:bodyPr>
+          <a:lstStyle/>
+          <a:p>
+            <a:r>
+              <a:rPr lang="ru-RU" sz="1100" b="0" i="0" u="none" strike="noStrike" cap="none" dirty="0" smtClean="0">
+                <a:solidFill>
+                  <a:srgbClr val="000000"/>
+                </a:solidFill>
+                <a:latin typeface="Arial"/>
+                <a:ea typeface="Arial"/>
+                <a:cs typeface="Arial"/>
+                <a:sym typeface="Arial"/>
+              </a:rPr>
+              <a:t>Персонажа начинают атаковать </a:t>
+            </a:r>
+            <a:r>
+              <a:rPr lang="ru-RU" sz="1100" b="0" i="0" u="none" strike="noStrike" cap="none" dirty="0" err="1" smtClean="0">
+                <a:solidFill>
+                  <a:srgbClr val="000000"/>
+                </a:solidFill>
+                <a:latin typeface="Arial"/>
+                <a:ea typeface="Arial"/>
+                <a:cs typeface="Arial"/>
+                <a:sym typeface="Arial"/>
+              </a:rPr>
+              <a:t>мобы</a:t>
+            </a:r>
+            <a:r>
+              <a:rPr lang="ru-RU" sz="1100" b="0" i="0" u="none" strike="noStrike" cap="none" dirty="0" smtClean="0">
+                <a:solidFill>
+                  <a:srgbClr val="000000"/>
+                </a:solidFill>
+                <a:latin typeface="Arial"/>
+                <a:ea typeface="Arial"/>
+                <a:cs typeface="Arial"/>
+                <a:sym typeface="Arial"/>
+              </a:rPr>
+              <a:t>, которые появляются либо сбоку, либо из-под земли. Финальный босс оказывается заклятым врагом главного героя. Он загоняет нас в огненную ловушку и вызывает атаку бомбардировщика. Наша задача – одолеть босса и сделать это за минимальное время.</a:t>
+            </a:r>
+            <a:endParaRPr lang="ru-RU" dirty="0"/>
+          </a:p>
+        </p:txBody>
+      </p:sp>
+    </p:spTree>
+  </p:cSld>
+  <p:clrMapOvr>
+    <a:masterClrMapping/>
+  </p:clrMapOvr>
+</p:notes>
+</file>
+
+<file path=ppt/notesSlides/notesSlide5.xml><?xml version="1.0" encoding="utf-8"?>
+<p:notes xmlns:a="http://schemas.openxmlformats.org/drawingml/2006/main" xmlns:r="http://schemas.openxmlformats.org/officeDocument/2006/relationships" xmlns:p="http://schemas.openxmlformats.org/presentationml/2006/main">
+  <p:cSld>
+    <p:spTree>
+      <p:nvGrpSpPr>
+        <p:cNvPr id="1" name=""/>
+        <p:cNvGrpSpPr/>
+        <p:nvPr/>
+      </p:nvGrpSpPr>
+      <p:grpSpPr>
+        <a:xfrm>
+          <a:off x="0" y="0"/>
+          <a:ext cx="0" cy="0"/>
+          <a:chOff x="0" y="0"/>
+          <a:chExt cx="0" cy="0"/>
+        </a:xfrm>
+      </p:grpSpPr>
+      <p:sp>
+        <p:nvSpPr>
+          <p:cNvPr id="2" name="Образ слайда 1"/>
+          <p:cNvSpPr>
+            <a:spLocks noGrp="1" noRot="1" noChangeAspect="1"/>
+          </p:cNvSpPr>
+          <p:nvPr>
+            <p:ph type="sldImg"/>
+          </p:nvPr>
+        </p:nvSpPr>
+        <p:spPr/>
+      </p:sp>
+      <p:sp>
+        <p:nvSpPr>
+          <p:cNvPr id="3" name="Заметки 2"/>
+          <p:cNvSpPr>
+            <a:spLocks noGrp="1"/>
+          </p:cNvSpPr>
+          <p:nvPr>
+            <p:ph type="body" idx="1"/>
+          </p:nvPr>
+        </p:nvSpPr>
+        <p:spPr/>
+        <p:txBody>
+          <a:bodyPr>
+            <a:normAutofit/>
+          </a:bodyPr>
+          <a:lstStyle/>
+          <a:p>
+            <a:r>
+              <a:rPr lang="ru-RU" sz="1100" b="0" i="0" u="none" strike="noStrike" cap="none" dirty="0" smtClean="0">
+                <a:solidFill>
+                  <a:srgbClr val="000000"/>
+                </a:solidFill>
+                <a:latin typeface="Arial"/>
+                <a:ea typeface="Arial"/>
+                <a:cs typeface="Arial"/>
+                <a:sym typeface="Arial"/>
+              </a:rPr>
+              <a:t>Присутствуют такие режимы:</a:t>
+            </a:r>
+          </a:p>
+          <a:p>
+            <a:r>
+              <a:rPr lang="ru-RU" sz="1100" b="0" i="0" u="none" strike="noStrike" cap="none" dirty="0" err="1" smtClean="0">
+                <a:solidFill>
+                  <a:srgbClr val="000000"/>
+                </a:solidFill>
+                <a:latin typeface="Arial"/>
+                <a:ea typeface="Arial"/>
+                <a:cs typeface="Arial"/>
+                <a:sym typeface="Arial"/>
+              </a:rPr>
+              <a:t>Adventure</a:t>
+            </a:r>
+            <a:r>
+              <a:rPr lang="ru-RU" sz="1100" b="0" i="0" u="none" strike="noStrike" cap="none" dirty="0" smtClean="0">
+                <a:solidFill>
+                  <a:srgbClr val="000000"/>
+                </a:solidFill>
+                <a:latin typeface="Arial"/>
+                <a:ea typeface="Arial"/>
+                <a:cs typeface="Arial"/>
+                <a:sym typeface="Arial"/>
+              </a:rPr>
+              <a:t> (режим истории с финальным боссом), </a:t>
+            </a:r>
+            <a:r>
+              <a:rPr lang="ru-RU" sz="1100" b="0" i="0" u="none" strike="noStrike" cap="none" dirty="0" err="1" smtClean="0">
+                <a:solidFill>
+                  <a:srgbClr val="000000"/>
+                </a:solidFill>
+                <a:latin typeface="Arial"/>
+                <a:ea typeface="Arial"/>
+                <a:cs typeface="Arial"/>
+                <a:sym typeface="Arial"/>
+              </a:rPr>
+              <a:t>Zen</a:t>
+            </a:r>
+            <a:r>
+              <a:rPr lang="ru-RU" sz="1100" b="0" i="0" u="none" strike="noStrike" cap="none" dirty="0" smtClean="0">
+                <a:solidFill>
+                  <a:srgbClr val="000000"/>
+                </a:solidFill>
+                <a:latin typeface="Arial"/>
+                <a:ea typeface="Arial"/>
+                <a:cs typeface="Arial"/>
+                <a:sym typeface="Arial"/>
+              </a:rPr>
+              <a:t> (бесконечный режим против </a:t>
+            </a:r>
+            <a:r>
+              <a:rPr lang="ru-RU" sz="1100" b="0" i="0" u="none" strike="noStrike" cap="none" dirty="0" err="1" smtClean="0">
+                <a:solidFill>
+                  <a:srgbClr val="000000"/>
+                </a:solidFill>
+                <a:latin typeface="Arial"/>
+                <a:ea typeface="Arial"/>
+                <a:cs typeface="Arial"/>
+                <a:sym typeface="Arial"/>
+              </a:rPr>
+              <a:t>мобов</a:t>
+            </a:r>
+            <a:r>
+              <a:rPr lang="ru-RU" sz="1100" b="0" i="0" u="none" strike="noStrike" cap="none" dirty="0" smtClean="0">
+                <a:solidFill>
+                  <a:srgbClr val="000000"/>
+                </a:solidFill>
+                <a:latin typeface="Arial"/>
+                <a:ea typeface="Arial"/>
+                <a:cs typeface="Arial"/>
+                <a:sym typeface="Arial"/>
+              </a:rPr>
+              <a:t>), </a:t>
+            </a:r>
+            <a:r>
+              <a:rPr lang="ru-RU" sz="1100" b="0" i="0" u="none" strike="noStrike" cap="none" dirty="0" err="1" smtClean="0">
+                <a:solidFill>
+                  <a:srgbClr val="000000"/>
+                </a:solidFill>
+                <a:latin typeface="Arial"/>
+                <a:ea typeface="Arial"/>
+                <a:cs typeface="Arial"/>
+                <a:sym typeface="Arial"/>
+              </a:rPr>
+              <a:t>Tutorial</a:t>
+            </a:r>
+            <a:r>
+              <a:rPr lang="ru-RU" sz="1100" b="0" i="0" u="none" strike="noStrike" cap="none" dirty="0" smtClean="0">
+                <a:solidFill>
+                  <a:srgbClr val="000000"/>
+                </a:solidFill>
+                <a:latin typeface="Arial"/>
+                <a:ea typeface="Arial"/>
+                <a:cs typeface="Arial"/>
+                <a:sym typeface="Arial"/>
+              </a:rPr>
+              <a:t> (обучение)</a:t>
+            </a:r>
+          </a:p>
+          <a:p>
+            <a:endParaRPr lang="ru-RU" dirty="0"/>
+          </a:p>
+        </p:txBody>
+      </p:sp>
+    </p:spTree>
+  </p:cSld>
+  <p:clrMapOvr>
+    <a:masterClrMapping/>
+  </p:clrMapOvr>
+</p:notes>
+</file>
+
+<file path=ppt/notesSlides/notesSlide6.xml><?xml version="1.0" encoding="utf-8"?>
+<p:notes xmlns:a="http://schemas.openxmlformats.org/drawingml/2006/main" xmlns:r="http://schemas.openxmlformats.org/officeDocument/2006/relationships" xmlns:p="http://schemas.openxmlformats.org/presentationml/2006/main">
+  <p:cSld>
+    <p:spTree>
+      <p:nvGrpSpPr>
+        <p:cNvPr id="1" name=""/>
+        <p:cNvGrpSpPr/>
+        <p:nvPr/>
+      </p:nvGrpSpPr>
+      <p:grpSpPr>
+        <a:xfrm>
+          <a:off x="0" y="0"/>
+          <a:ext cx="0" cy="0"/>
+          <a:chOff x="0" y="0"/>
+          <a:chExt cx="0" cy="0"/>
+        </a:xfrm>
+      </p:grpSpPr>
+      <p:sp>
+        <p:nvSpPr>
+          <p:cNvPr id="2" name="Образ слайда 1"/>
+          <p:cNvSpPr>
+            <a:spLocks noGrp="1" noRot="1" noChangeAspect="1"/>
+          </p:cNvSpPr>
+          <p:nvPr>
+            <p:ph type="sldImg"/>
+          </p:nvPr>
+        </p:nvSpPr>
+        <p:spPr/>
+      </p:sp>
+      <p:sp>
+        <p:nvSpPr>
+          <p:cNvPr id="3" name="Заметки 2"/>
+          <p:cNvSpPr>
+            <a:spLocks noGrp="1"/>
+          </p:cNvSpPr>
+          <p:nvPr>
+            <p:ph type="body" idx="1"/>
+          </p:nvPr>
+        </p:nvSpPr>
+        <p:spPr/>
+        <p:txBody>
+          <a:bodyPr>
+            <a:normAutofit/>
+          </a:bodyPr>
+          <a:lstStyle/>
+          <a:p>
+            <a:r>
+              <a:rPr lang="ru-RU" sz="1100" b="0" i="0" u="none" strike="noStrike" cap="none" dirty="0" smtClean="0">
+                <a:solidFill>
+                  <a:srgbClr val="000000"/>
+                </a:solidFill>
+                <a:latin typeface="Arial"/>
+                <a:ea typeface="Arial"/>
+                <a:cs typeface="Arial"/>
+                <a:sym typeface="Arial"/>
+              </a:rPr>
+              <a:t>Игровой процесс основного режима разделен на 2 части: битва против </a:t>
+            </a:r>
+            <a:r>
+              <a:rPr lang="ru-RU" sz="1100" b="0" i="0" u="none" strike="noStrike" cap="none" dirty="0" err="1" smtClean="0">
+                <a:solidFill>
+                  <a:srgbClr val="000000"/>
+                </a:solidFill>
+                <a:latin typeface="Arial"/>
+                <a:ea typeface="Arial"/>
+                <a:cs typeface="Arial"/>
+                <a:sym typeface="Arial"/>
+              </a:rPr>
+              <a:t>мобов</a:t>
+            </a:r>
+            <a:r>
+              <a:rPr lang="ru-RU" sz="1100" b="0" i="0" u="none" strike="noStrike" cap="none" dirty="0" smtClean="0">
+                <a:solidFill>
+                  <a:srgbClr val="000000"/>
+                </a:solidFill>
+                <a:latin typeface="Arial"/>
+                <a:ea typeface="Arial"/>
+                <a:cs typeface="Arial"/>
+                <a:sym typeface="Arial"/>
+              </a:rPr>
+              <a:t> и финальная битва с боссом. </a:t>
+            </a:r>
+          </a:p>
+          <a:p>
+            <a:r>
+              <a:rPr lang="ru-RU" sz="1100" b="0" i="0" u="none" strike="noStrike" cap="none" dirty="0" err="1" smtClean="0">
+                <a:solidFill>
+                  <a:srgbClr val="000000"/>
+                </a:solidFill>
+                <a:latin typeface="Arial"/>
+                <a:ea typeface="Arial"/>
+                <a:cs typeface="Arial"/>
+                <a:sym typeface="Arial"/>
+              </a:rPr>
+              <a:t>Мобы</a:t>
+            </a:r>
+            <a:r>
+              <a:rPr lang="ru-RU" sz="1100" b="0" i="0" u="none" strike="noStrike" cap="none" dirty="0" smtClean="0">
+                <a:solidFill>
+                  <a:srgbClr val="000000"/>
+                </a:solidFill>
+                <a:latin typeface="Arial"/>
+                <a:ea typeface="Arial"/>
+                <a:cs typeface="Arial"/>
+                <a:sym typeface="Arial"/>
+              </a:rPr>
+              <a:t>, так же как и игрок, обладают шкалой жизни. Появляясь сбоку или из </a:t>
+            </a:r>
+            <a:r>
+              <a:rPr lang="ru-RU" sz="1100" b="0" i="0" u="none" strike="noStrike" cap="none" dirty="0" err="1" smtClean="0">
+                <a:solidFill>
+                  <a:srgbClr val="000000"/>
+                </a:solidFill>
+                <a:latin typeface="Arial"/>
+                <a:ea typeface="Arial"/>
+                <a:cs typeface="Arial"/>
+                <a:sym typeface="Arial"/>
+              </a:rPr>
+              <a:t>спавнеров</a:t>
+            </a:r>
+            <a:r>
+              <a:rPr lang="ru-RU" sz="1100" b="0" i="0" u="none" strike="noStrike" cap="none" dirty="0" smtClean="0">
+                <a:solidFill>
+                  <a:srgbClr val="000000"/>
+                </a:solidFill>
+                <a:latin typeface="Arial"/>
+                <a:ea typeface="Arial"/>
+                <a:cs typeface="Arial"/>
+                <a:sym typeface="Arial"/>
+              </a:rPr>
+              <a:t>, они движутся по направлению к игроку и умеют атаковать вблизи.</a:t>
+            </a:r>
+          </a:p>
+          <a:p>
+            <a:r>
+              <a:rPr lang="ru-RU" sz="1100" b="0" i="0" u="none" strike="noStrike" cap="none" dirty="0" smtClean="0">
+                <a:solidFill>
+                  <a:srgbClr val="000000"/>
+                </a:solidFill>
+                <a:latin typeface="Arial"/>
+                <a:ea typeface="Arial"/>
+                <a:cs typeface="Arial"/>
+                <a:sym typeface="Arial"/>
+              </a:rPr>
+              <a:t> Игрок имеет 2 вида атак: бластер и рукопашный бой. Если </a:t>
+            </a:r>
+            <a:r>
+              <a:rPr lang="ru-RU" sz="1100" b="0" i="0" u="none" strike="noStrike" cap="none" dirty="0" err="1" smtClean="0">
+                <a:solidFill>
+                  <a:srgbClr val="000000"/>
+                </a:solidFill>
+                <a:latin typeface="Arial"/>
+                <a:ea typeface="Arial"/>
+                <a:cs typeface="Arial"/>
+                <a:sym typeface="Arial"/>
+              </a:rPr>
+              <a:t>мобы</a:t>
+            </a:r>
+            <a:r>
+              <a:rPr lang="ru-RU" sz="1100" b="0" i="0" u="none" strike="noStrike" cap="none" dirty="0" smtClean="0">
+                <a:solidFill>
+                  <a:srgbClr val="000000"/>
+                </a:solidFill>
+                <a:latin typeface="Arial"/>
+                <a:ea typeface="Arial"/>
+                <a:cs typeface="Arial"/>
+                <a:sym typeface="Arial"/>
+              </a:rPr>
+              <a:t> загнали его в угол, игрок может их перепрыгнуть. Чтобы появился босс, нужно уничтожить некоторое число </a:t>
+            </a:r>
+            <a:r>
+              <a:rPr lang="ru-RU" sz="1100" b="0" i="0" u="none" strike="noStrike" cap="none" dirty="0" err="1" smtClean="0">
+                <a:solidFill>
+                  <a:srgbClr val="000000"/>
+                </a:solidFill>
+                <a:latin typeface="Arial"/>
+                <a:ea typeface="Arial"/>
+                <a:cs typeface="Arial"/>
+                <a:sym typeface="Arial"/>
+              </a:rPr>
+              <a:t>мобов</a:t>
+            </a:r>
+            <a:r>
+              <a:rPr lang="ru-RU" sz="1100" b="0" i="0" u="none" strike="noStrike" cap="none" dirty="0" smtClean="0">
+                <a:solidFill>
+                  <a:srgbClr val="000000"/>
+                </a:solidFill>
+                <a:latin typeface="Arial"/>
+                <a:ea typeface="Arial"/>
+                <a:cs typeface="Arial"/>
+                <a:sym typeface="Arial"/>
+              </a:rPr>
+              <a:t>. При этом прогресс прохождения виден в виде шкалы внизу экрана.</a:t>
+            </a:r>
+          </a:p>
+          <a:p>
+            <a:endParaRPr lang="ru-RU" dirty="0"/>
+          </a:p>
+        </p:txBody>
+      </p:sp>
+    </p:spTree>
+  </p:cSld>
+  <p:clrMapOvr>
+    <a:masterClrMapping/>
+  </p:clrMapOvr>
+</p:notes>
+</file>
+
+<file path=ppt/notesSlides/notesSlide7.xml><?xml version="1.0" encoding="utf-8"?>
+<p:notes xmlns:a="http://schemas.openxmlformats.org/drawingml/2006/main" xmlns:r="http://schemas.openxmlformats.org/officeDocument/2006/relationships" xmlns:p="http://schemas.openxmlformats.org/presentationml/2006/main">
+  <p:cSld>
+    <p:spTree>
+      <p:nvGrpSpPr>
+        <p:cNvPr id="1" name=""/>
+        <p:cNvGrpSpPr/>
+        <p:nvPr/>
+      </p:nvGrpSpPr>
+      <p:grpSpPr>
+        <a:xfrm>
+          <a:off x="0" y="0"/>
+          <a:ext cx="0" cy="0"/>
+          <a:chOff x="0" y="0"/>
+          <a:chExt cx="0" cy="0"/>
+        </a:xfrm>
+      </p:grpSpPr>
+      <p:sp>
+        <p:nvSpPr>
+          <p:cNvPr id="2" name="Образ слайда 1"/>
+          <p:cNvSpPr>
+            <a:spLocks noGrp="1" noRot="1" noChangeAspect="1"/>
+          </p:cNvSpPr>
+          <p:nvPr>
+            <p:ph type="sldImg"/>
+          </p:nvPr>
+        </p:nvSpPr>
+        <p:spPr/>
+      </p:sp>
+      <p:sp>
+        <p:nvSpPr>
+          <p:cNvPr id="3" name="Заметки 2"/>
+          <p:cNvSpPr>
+            <a:spLocks noGrp="1"/>
+          </p:cNvSpPr>
+          <p:nvPr>
+            <p:ph type="body" idx="1"/>
+          </p:nvPr>
+        </p:nvSpPr>
+        <p:spPr/>
+        <p:txBody>
+          <a:bodyPr>
+            <a:normAutofit/>
+          </a:bodyPr>
+          <a:lstStyle/>
+          <a:p>
+            <a:pPr marL="457200" marR="0" indent="-317500" algn="l" defTabSz="914400" rtl="0" eaLnBrk="1" fontAlgn="auto" latinLnBrk="0" hangingPunct="1">
+              <a:lnSpc>
+                <a:spcPct val="100000"/>
+              </a:lnSpc>
+              <a:spcBef>
+                <a:spcPts val="0"/>
+              </a:spcBef>
+              <a:spcAft>
+                <a:spcPts val="0"/>
+              </a:spcAft>
+              <a:buClr>
+                <a:srgbClr val="000000"/>
+              </a:buClr>
+              <a:buSzPts val="1400"/>
+              <a:buFont typeface="Arial"/>
+              <a:buChar char="●"/>
+              <a:tabLst/>
+              <a:defRPr/>
             </a:pPr>
-            <a:endParaRPr/>
+            <a:r>
+              <a:rPr lang="ru-RU" sz="1100" b="0" i="0" u="none" strike="noStrike" cap="none" dirty="0" smtClean="0">
+                <a:solidFill>
+                  <a:srgbClr val="000000"/>
+                </a:solidFill>
+                <a:latin typeface="Arial"/>
+                <a:ea typeface="Arial"/>
+                <a:cs typeface="Arial"/>
+                <a:sym typeface="Arial"/>
+              </a:rPr>
+              <a:t>Во второй части с обеих сторон экрана появляется огонь. Появляется босс и сразу же начинает атаку. Бомбардировщик сбрасывает на локацию серию бомб, от которых игроку надо уклоняться. После своей атаки босс уязвим для атаки игрока. </a:t>
+            </a:r>
+          </a:p>
+          <a:p>
+            <a:endParaRPr lang="ru-RU" dirty="0"/>
+          </a:p>
+        </p:txBody>
+      </p:sp>
+    </p:spTree>
+  </p:cSld>
+  <p:clrMapOvr>
+    <a:masterClrMapping/>
+  </p:clrMapOvr>
+</p:notes>
+</file>
+
+<file path=ppt/notesSlides/notesSlide8.xml><?xml version="1.0" encoding="utf-8"?>
+<p:notes xmlns:a="http://schemas.openxmlformats.org/drawingml/2006/main" xmlns:r="http://schemas.openxmlformats.org/officeDocument/2006/relationships" xmlns:p="http://schemas.openxmlformats.org/presentationml/2006/main">
+  <p:cSld>
+    <p:spTree>
+      <p:nvGrpSpPr>
+        <p:cNvPr id="1" name=""/>
+        <p:cNvGrpSpPr/>
+        <p:nvPr/>
+      </p:nvGrpSpPr>
+      <p:grpSpPr>
+        <a:xfrm>
+          <a:off x="0" y="0"/>
+          <a:ext cx="0" cy="0"/>
+          <a:chOff x="0" y="0"/>
+          <a:chExt cx="0" cy="0"/>
+        </a:xfrm>
+      </p:grpSpPr>
+      <p:sp>
+        <p:nvSpPr>
+          <p:cNvPr id="2" name="Образ слайда 1"/>
+          <p:cNvSpPr>
+            <a:spLocks noGrp="1" noRot="1" noChangeAspect="1"/>
+          </p:cNvSpPr>
+          <p:nvPr>
+            <p:ph type="sldImg"/>
+          </p:nvPr>
+        </p:nvSpPr>
+        <p:spPr/>
+      </p:sp>
+      <p:sp>
+        <p:nvSpPr>
+          <p:cNvPr id="3" name="Заметки 2"/>
+          <p:cNvSpPr>
+            <a:spLocks noGrp="1"/>
+          </p:cNvSpPr>
+          <p:nvPr>
+            <p:ph type="body" idx="1"/>
+          </p:nvPr>
+        </p:nvSpPr>
+        <p:spPr/>
+        <p:txBody>
+          <a:bodyPr>
+            <a:normAutofit/>
+          </a:bodyPr>
+          <a:lstStyle/>
+          <a:p>
+            <a:pPr marL="457200" marR="0" indent="-317500" algn="l" defTabSz="914400" rtl="0" eaLnBrk="1" fontAlgn="auto" latinLnBrk="0" hangingPunct="1">
+              <a:lnSpc>
+                <a:spcPct val="100000"/>
+              </a:lnSpc>
+              <a:spcBef>
+                <a:spcPts val="0"/>
+              </a:spcBef>
+              <a:spcAft>
+                <a:spcPts val="0"/>
+              </a:spcAft>
+              <a:buClr>
+                <a:srgbClr val="000000"/>
+              </a:buClr>
+              <a:buSzPts val="1400"/>
+              <a:buFont typeface="Arial"/>
+              <a:buChar char="●"/>
+              <a:tabLst/>
+              <a:defRPr/>
+            </a:pPr>
+            <a:r>
+              <a:rPr lang="ru-RU" sz="1100" b="0" i="0" u="none" strike="noStrike" cap="none" dirty="0" smtClean="0">
+                <a:solidFill>
+                  <a:srgbClr val="000000"/>
+                </a:solidFill>
+                <a:latin typeface="Arial"/>
+                <a:ea typeface="Arial"/>
+                <a:cs typeface="Arial"/>
+                <a:sym typeface="Arial"/>
+              </a:rPr>
+              <a:t>После победы над боссом время игрока попадает в таблицу лидеров.</a:t>
+            </a:r>
+          </a:p>
+          <a:p>
+            <a:endParaRPr lang="ru-RU" dirty="0"/>
+          </a:p>
+        </p:txBody>
+      </p:sp>
+    </p:spTree>
+  </p:cSld>
+  <p:clrMapOvr>
+    <a:masterClrMapping/>
+  </p:clrMapOvr>
+</p:notes>
+</file>
+
+<file path=ppt/notesSlides/notesSlide9.xml><?xml version="1.0" encoding="utf-8"?>
+<p:notes xmlns:a="http://schemas.openxmlformats.org/drawingml/2006/main" xmlns:r="http://schemas.openxmlformats.org/officeDocument/2006/relationships" xmlns:p="http://schemas.openxmlformats.org/presentationml/2006/main">
+  <p:cSld>
+    <p:spTree>
+      <p:nvGrpSpPr>
+        <p:cNvPr id="1" name=""/>
+        <p:cNvGrpSpPr/>
+        <p:nvPr/>
+      </p:nvGrpSpPr>
+      <p:grpSpPr>
+        <a:xfrm>
+          <a:off x="0" y="0"/>
+          <a:ext cx="0" cy="0"/>
+          <a:chOff x="0" y="0"/>
+          <a:chExt cx="0" cy="0"/>
+        </a:xfrm>
+      </p:grpSpPr>
+      <p:sp>
+        <p:nvSpPr>
+          <p:cNvPr id="2" name="Образ слайда 1"/>
+          <p:cNvSpPr>
+            <a:spLocks noGrp="1" noRot="1" noChangeAspect="1"/>
+          </p:cNvSpPr>
+          <p:nvPr>
+            <p:ph type="sldImg"/>
+          </p:nvPr>
+        </p:nvSpPr>
+        <p:spPr/>
+      </p:sp>
+      <p:sp>
+        <p:nvSpPr>
+          <p:cNvPr id="3" name="Заметки 2"/>
+          <p:cNvSpPr>
+            <a:spLocks noGrp="1"/>
+          </p:cNvSpPr>
+          <p:nvPr>
+            <p:ph type="body" idx="1"/>
+          </p:nvPr>
+        </p:nvSpPr>
+        <p:spPr/>
+        <p:txBody>
+          <a:bodyPr>
+            <a:normAutofit/>
+          </a:bodyPr>
+          <a:lstStyle/>
+          <a:p>
+            <a:pPr marL="457200" marR="0" indent="-317500" algn="l" defTabSz="914400" rtl="0" eaLnBrk="1" fontAlgn="auto" latinLnBrk="0" hangingPunct="1">
+              <a:lnSpc>
+                <a:spcPct val="100000"/>
+              </a:lnSpc>
+              <a:spcBef>
+                <a:spcPts val="0"/>
+              </a:spcBef>
+              <a:spcAft>
+                <a:spcPts val="0"/>
+              </a:spcAft>
+              <a:buClr>
+                <a:srgbClr val="000000"/>
+              </a:buClr>
+              <a:buSzPts val="1400"/>
+              <a:buFont typeface="Arial"/>
+              <a:buChar char="●"/>
+              <a:tabLst/>
+              <a:defRPr/>
+            </a:pPr>
+            <a:r>
+              <a:rPr lang="ru-RU" sz="1100" b="0" i="0" u="none" strike="noStrike" cap="none" dirty="0" smtClean="0">
+                <a:solidFill>
+                  <a:srgbClr val="000000"/>
+                </a:solidFill>
+                <a:latin typeface="Arial"/>
+                <a:ea typeface="Arial"/>
+                <a:cs typeface="Arial"/>
+                <a:sym typeface="Arial"/>
+              </a:rPr>
+              <a:t>В режиме </a:t>
+            </a:r>
+            <a:r>
+              <a:rPr lang="en-US" sz="1100" b="0" i="0" u="none" strike="noStrike" cap="none" dirty="0" smtClean="0">
+                <a:solidFill>
+                  <a:srgbClr val="000000"/>
+                </a:solidFill>
+                <a:latin typeface="Arial"/>
+                <a:ea typeface="Arial"/>
+                <a:cs typeface="Arial"/>
+                <a:sym typeface="Arial"/>
+              </a:rPr>
+              <a:t>Zen </a:t>
+            </a:r>
+            <a:r>
+              <a:rPr lang="ru-RU" sz="1100" b="0" i="0" u="none" strike="noStrike" cap="none" dirty="0" smtClean="0">
+                <a:solidFill>
+                  <a:srgbClr val="000000"/>
+                </a:solidFill>
+                <a:latin typeface="Arial"/>
+                <a:ea typeface="Arial"/>
+                <a:cs typeface="Arial"/>
+                <a:sym typeface="Arial"/>
+              </a:rPr>
+              <a:t>игрок должен как можно дольше оставаться в живых. Победить в этом режиме нельзя.</a:t>
+            </a:r>
+          </a:p>
+          <a:p>
+            <a:endParaRPr lang="ru-RU" dirty="0"/>
           </a:p>
         </p:txBody>
       </p:sp>
@@ -1729,904 +3108,6 @@
 </file>
 
 <file path=ppt/slideLayouts/slideLayout2.xml><?xml version="1.0" encoding="utf-8"?>
-<p:sldLayout xmlns:a="http://schemas.openxmlformats.org/drawingml/2006/main" xmlns:r="http://schemas.openxmlformats.org/officeDocument/2006/relationships" xmlns:p="http://schemas.openxmlformats.org/presentationml/2006/main" matchingName="Subtitle">
-  <p:cSld name="TITLE_1">
-    <p:spTree>
-      <p:nvGrpSpPr>
-        <p:cNvPr id="1" name="Shape 21"/>
-        <p:cNvGrpSpPr/>
-        <p:nvPr/>
-      </p:nvGrpSpPr>
-      <p:grpSpPr>
-        <a:xfrm>
-          <a:off x="0" y="0"/>
-          <a:ext cx="0" cy="0"/>
-          <a:chOff x="0" y="0"/>
-          <a:chExt cx="0" cy="0"/>
-        </a:xfrm>
-      </p:grpSpPr>
-      <p:sp>
-        <p:nvSpPr>
-          <p:cNvPr id="22" name="Google Shape;22;p3"/>
-          <p:cNvSpPr txBox="1">
-            <a:spLocks noGrp="1"/>
-          </p:cNvSpPr>
-          <p:nvPr>
-            <p:ph type="ctrTitle"/>
-          </p:nvPr>
-        </p:nvSpPr>
-        <p:spPr>
-          <a:xfrm>
-            <a:off x="2647900" y="1659550"/>
-            <a:ext cx="3848100" cy="1159800"/>
-          </a:xfrm>
-          <a:prstGeom prst="rect">
-            <a:avLst/>
-          </a:prstGeom>
-        </p:spPr>
-        <p:txBody>
-          <a:bodyPr spcFirstLastPara="1" wrap="square" lIns="91425" tIns="91425" rIns="91425" bIns="91425" anchor="b" anchorCtr="0"/>
-          <a:lstStyle>
-            <a:lvl1pPr lvl="0" algn="ctr" rtl="0">
-              <a:spcBef>
-                <a:spcPts val="0"/>
-              </a:spcBef>
-              <a:spcAft>
-                <a:spcPts val="0"/>
-              </a:spcAft>
-              <a:buSzPts val="3000"/>
-              <a:buNone/>
-              <a:defRPr/>
-            </a:lvl1pPr>
-            <a:lvl2pPr lvl="1" algn="ctr" rtl="0">
-              <a:spcBef>
-                <a:spcPts val="0"/>
-              </a:spcBef>
-              <a:spcAft>
-                <a:spcPts val="0"/>
-              </a:spcAft>
-              <a:buSzPts val="3000"/>
-              <a:buNone/>
-              <a:defRPr/>
-            </a:lvl2pPr>
-            <a:lvl3pPr lvl="2" algn="ctr" rtl="0">
-              <a:spcBef>
-                <a:spcPts val="0"/>
-              </a:spcBef>
-              <a:spcAft>
-                <a:spcPts val="0"/>
-              </a:spcAft>
-              <a:buSzPts val="3000"/>
-              <a:buNone/>
-              <a:defRPr/>
-            </a:lvl3pPr>
-            <a:lvl4pPr lvl="3" algn="ctr" rtl="0">
-              <a:spcBef>
-                <a:spcPts val="0"/>
-              </a:spcBef>
-              <a:spcAft>
-                <a:spcPts val="0"/>
-              </a:spcAft>
-              <a:buSzPts val="3000"/>
-              <a:buNone/>
-              <a:defRPr/>
-            </a:lvl4pPr>
-            <a:lvl5pPr lvl="4" algn="ctr" rtl="0">
-              <a:spcBef>
-                <a:spcPts val="0"/>
-              </a:spcBef>
-              <a:spcAft>
-                <a:spcPts val="0"/>
-              </a:spcAft>
-              <a:buSzPts val="3000"/>
-              <a:buNone/>
-              <a:defRPr/>
-            </a:lvl5pPr>
-            <a:lvl6pPr lvl="5" algn="ctr" rtl="0">
-              <a:spcBef>
-                <a:spcPts val="0"/>
-              </a:spcBef>
-              <a:spcAft>
-                <a:spcPts val="0"/>
-              </a:spcAft>
-              <a:buSzPts val="3000"/>
-              <a:buNone/>
-              <a:defRPr/>
-            </a:lvl6pPr>
-            <a:lvl7pPr lvl="6" algn="ctr" rtl="0">
-              <a:spcBef>
-                <a:spcPts val="0"/>
-              </a:spcBef>
-              <a:spcAft>
-                <a:spcPts val="0"/>
-              </a:spcAft>
-              <a:buSzPts val="3000"/>
-              <a:buNone/>
-              <a:defRPr/>
-            </a:lvl7pPr>
-            <a:lvl8pPr lvl="7" algn="ctr" rtl="0">
-              <a:spcBef>
-                <a:spcPts val="0"/>
-              </a:spcBef>
-              <a:spcAft>
-                <a:spcPts val="0"/>
-              </a:spcAft>
-              <a:buSzPts val="3000"/>
-              <a:buNone/>
-              <a:defRPr/>
-            </a:lvl8pPr>
-            <a:lvl9pPr lvl="8" algn="ctr" rtl="0">
-              <a:spcBef>
-                <a:spcPts val="0"/>
-              </a:spcBef>
-              <a:spcAft>
-                <a:spcPts val="0"/>
-              </a:spcAft>
-              <a:buSzPts val="3000"/>
-              <a:buNone/>
-              <a:defRPr/>
-            </a:lvl9pPr>
-          </a:lstStyle>
-          <a:p>
-            <a:endParaRPr/>
-          </a:p>
-        </p:txBody>
-      </p:sp>
-      <p:sp>
-        <p:nvSpPr>
-          <p:cNvPr id="23" name="Google Shape;23;p3"/>
-          <p:cNvSpPr txBox="1">
-            <a:spLocks noGrp="1"/>
-          </p:cNvSpPr>
-          <p:nvPr>
-            <p:ph type="subTitle" idx="1"/>
-          </p:nvPr>
-        </p:nvSpPr>
-        <p:spPr>
-          <a:xfrm>
-            <a:off x="2647975" y="2763850"/>
-            <a:ext cx="3848100" cy="784800"/>
-          </a:xfrm>
-          <a:prstGeom prst="rect">
-            <a:avLst/>
-          </a:prstGeom>
-        </p:spPr>
-        <p:txBody>
-          <a:bodyPr spcFirstLastPara="1" wrap="square" lIns="91425" tIns="91425" rIns="91425" bIns="91425" anchor="t" anchorCtr="0"/>
-          <a:lstStyle>
-            <a:lvl1pPr lvl="0" algn="ctr" rtl="0">
-              <a:spcBef>
-                <a:spcPts val="0"/>
-              </a:spcBef>
-              <a:spcAft>
-                <a:spcPts val="0"/>
-              </a:spcAft>
-              <a:buClr>
-                <a:srgbClr val="33CCFF"/>
-              </a:buClr>
-              <a:buSzPts val="1800"/>
-              <a:buNone/>
-              <a:defRPr sz="1800">
-                <a:solidFill>
-                  <a:srgbClr val="33CCFF"/>
-                </a:solidFill>
-              </a:defRPr>
-            </a:lvl1pPr>
-            <a:lvl2pPr lvl="1" algn="ctr" rtl="0">
-              <a:spcBef>
-                <a:spcPts val="0"/>
-              </a:spcBef>
-              <a:spcAft>
-                <a:spcPts val="0"/>
-              </a:spcAft>
-              <a:buClr>
-                <a:srgbClr val="33CCFF"/>
-              </a:buClr>
-              <a:buSzPts val="1800"/>
-              <a:buNone/>
-              <a:defRPr sz="1800">
-                <a:solidFill>
-                  <a:srgbClr val="33CCFF"/>
-                </a:solidFill>
-              </a:defRPr>
-            </a:lvl2pPr>
-            <a:lvl3pPr lvl="2" algn="ctr" rtl="0">
-              <a:spcBef>
-                <a:spcPts val="0"/>
-              </a:spcBef>
-              <a:spcAft>
-                <a:spcPts val="0"/>
-              </a:spcAft>
-              <a:buClr>
-                <a:srgbClr val="33CCFF"/>
-              </a:buClr>
-              <a:buSzPts val="1800"/>
-              <a:buNone/>
-              <a:defRPr sz="1800">
-                <a:solidFill>
-                  <a:srgbClr val="33CCFF"/>
-                </a:solidFill>
-              </a:defRPr>
-            </a:lvl3pPr>
-            <a:lvl4pPr lvl="3" algn="ctr" rtl="0">
-              <a:spcBef>
-                <a:spcPts val="0"/>
-              </a:spcBef>
-              <a:spcAft>
-                <a:spcPts val="0"/>
-              </a:spcAft>
-              <a:buClr>
-                <a:srgbClr val="33CCFF"/>
-              </a:buClr>
-              <a:buSzPts val="1800"/>
-              <a:buNone/>
-              <a:defRPr sz="1800">
-                <a:solidFill>
-                  <a:srgbClr val="33CCFF"/>
-                </a:solidFill>
-              </a:defRPr>
-            </a:lvl4pPr>
-            <a:lvl5pPr lvl="4" algn="ctr" rtl="0">
-              <a:spcBef>
-                <a:spcPts val="0"/>
-              </a:spcBef>
-              <a:spcAft>
-                <a:spcPts val="0"/>
-              </a:spcAft>
-              <a:buClr>
-                <a:srgbClr val="33CCFF"/>
-              </a:buClr>
-              <a:buSzPts val="1800"/>
-              <a:buNone/>
-              <a:defRPr sz="1800">
-                <a:solidFill>
-                  <a:srgbClr val="33CCFF"/>
-                </a:solidFill>
-              </a:defRPr>
-            </a:lvl5pPr>
-            <a:lvl6pPr lvl="5" algn="ctr" rtl="0">
-              <a:spcBef>
-                <a:spcPts val="0"/>
-              </a:spcBef>
-              <a:spcAft>
-                <a:spcPts val="0"/>
-              </a:spcAft>
-              <a:buClr>
-                <a:srgbClr val="33CCFF"/>
-              </a:buClr>
-              <a:buSzPts val="1800"/>
-              <a:buNone/>
-              <a:defRPr sz="1800">
-                <a:solidFill>
-                  <a:srgbClr val="33CCFF"/>
-                </a:solidFill>
-              </a:defRPr>
-            </a:lvl6pPr>
-            <a:lvl7pPr lvl="6" algn="ctr" rtl="0">
-              <a:spcBef>
-                <a:spcPts val="0"/>
-              </a:spcBef>
-              <a:spcAft>
-                <a:spcPts val="0"/>
-              </a:spcAft>
-              <a:buClr>
-                <a:srgbClr val="33CCFF"/>
-              </a:buClr>
-              <a:buSzPts val="1800"/>
-              <a:buNone/>
-              <a:defRPr sz="1800">
-                <a:solidFill>
-                  <a:srgbClr val="33CCFF"/>
-                </a:solidFill>
-              </a:defRPr>
-            </a:lvl7pPr>
-            <a:lvl8pPr lvl="7" algn="ctr" rtl="0">
-              <a:spcBef>
-                <a:spcPts val="0"/>
-              </a:spcBef>
-              <a:spcAft>
-                <a:spcPts val="0"/>
-              </a:spcAft>
-              <a:buClr>
-                <a:srgbClr val="33CCFF"/>
-              </a:buClr>
-              <a:buSzPts val="1800"/>
-              <a:buNone/>
-              <a:defRPr sz="1800">
-                <a:solidFill>
-                  <a:srgbClr val="33CCFF"/>
-                </a:solidFill>
-              </a:defRPr>
-            </a:lvl8pPr>
-            <a:lvl9pPr lvl="8" algn="ctr" rtl="0">
-              <a:spcBef>
-                <a:spcPts val="0"/>
-              </a:spcBef>
-              <a:spcAft>
-                <a:spcPts val="0"/>
-              </a:spcAft>
-              <a:buClr>
-                <a:srgbClr val="33CCFF"/>
-              </a:buClr>
-              <a:buSzPts val="1800"/>
-              <a:buNone/>
-              <a:defRPr sz="1800">
-                <a:solidFill>
-                  <a:srgbClr val="33CCFF"/>
-                </a:solidFill>
-              </a:defRPr>
-            </a:lvl9pPr>
-          </a:lstStyle>
-          <a:p>
-            <a:endParaRPr/>
-          </a:p>
-        </p:txBody>
-      </p:sp>
-      <p:sp>
-        <p:nvSpPr>
-          <p:cNvPr id="24" name="Google Shape;24;p3"/>
-          <p:cNvSpPr/>
-          <p:nvPr/>
-        </p:nvSpPr>
-        <p:spPr>
-          <a:xfrm rot="5400000" flipH="1">
-            <a:off x="6177275" y="-42338"/>
-            <a:ext cx="3688200" cy="2246100"/>
-          </a:xfrm>
-          <a:prstGeom prst="parallelogram">
-            <a:avLst>
-              <a:gd name="adj" fmla="val 81897"/>
-            </a:avLst>
-          </a:prstGeom>
-          <a:gradFill>
-            <a:gsLst>
-              <a:gs pos="0">
-                <a:srgbClr val="33CCCC"/>
-              </a:gs>
-              <a:gs pos="100000">
-                <a:srgbClr val="66FF33"/>
-              </a:gs>
-            </a:gsLst>
-            <a:lin ang="5400012" scaled="0"/>
-          </a:gradFill>
-          <a:ln>
-            <a:noFill/>
-          </a:ln>
-        </p:spPr>
-        <p:txBody>
-          <a:bodyPr spcFirstLastPara="1" wrap="square" lIns="91425" tIns="45700" rIns="91425" bIns="45700" anchor="ctr" anchorCtr="0">
-            <a:noAutofit/>
-          </a:bodyPr>
-          <a:lstStyle/>
-          <a:p>
-            <a:pPr marL="0" marR="0" lvl="0" indent="0" algn="ctr" rtl="0">
-              <a:spcBef>
-                <a:spcPts val="0"/>
-              </a:spcBef>
-              <a:spcAft>
-                <a:spcPts val="0"/>
-              </a:spcAft>
-              <a:buNone/>
-            </a:pPr>
-            <a:endParaRPr sz="1800" b="0" i="0" u="none" strike="noStrike" cap="none">
-              <a:solidFill>
-                <a:srgbClr val="FFFFFF"/>
-              </a:solidFill>
-              <a:latin typeface="Calibri"/>
-              <a:ea typeface="Calibri"/>
-              <a:cs typeface="Calibri"/>
-              <a:sym typeface="Calibri"/>
-            </a:endParaRPr>
-          </a:p>
-        </p:txBody>
-      </p:sp>
-      <p:sp>
-        <p:nvSpPr>
-          <p:cNvPr id="25" name="Google Shape;25;p3"/>
-          <p:cNvSpPr/>
-          <p:nvPr/>
-        </p:nvSpPr>
-        <p:spPr>
-          <a:xfrm rot="5400000" flipH="1">
-            <a:off x="-698074" y="3247200"/>
-            <a:ext cx="3573900" cy="2177100"/>
-          </a:xfrm>
-          <a:prstGeom prst="parallelogram">
-            <a:avLst>
-              <a:gd name="adj" fmla="val 81897"/>
-            </a:avLst>
-          </a:prstGeom>
-          <a:gradFill>
-            <a:gsLst>
-              <a:gs pos="0">
-                <a:srgbClr val="CC3399"/>
-              </a:gs>
-              <a:gs pos="100000">
-                <a:srgbClr val="6699FF"/>
-              </a:gs>
-            </a:gsLst>
-            <a:lin ang="5400012" scaled="0"/>
-          </a:gradFill>
-          <a:ln>
-            <a:noFill/>
-          </a:ln>
-        </p:spPr>
-        <p:txBody>
-          <a:bodyPr spcFirstLastPara="1" wrap="square" lIns="91425" tIns="45700" rIns="91425" bIns="45700" anchor="ctr" anchorCtr="0">
-            <a:noAutofit/>
-          </a:bodyPr>
-          <a:lstStyle/>
-          <a:p>
-            <a:pPr marL="0" marR="0" lvl="0" indent="0" algn="ctr" rtl="0">
-              <a:spcBef>
-                <a:spcPts val="0"/>
-              </a:spcBef>
-              <a:spcAft>
-                <a:spcPts val="0"/>
-              </a:spcAft>
-              <a:buNone/>
-            </a:pPr>
-            <a:endParaRPr sz="1800" b="0" i="0" u="none" strike="noStrike" cap="none">
-              <a:solidFill>
-                <a:srgbClr val="FFFFFF"/>
-              </a:solidFill>
-              <a:latin typeface="Calibri"/>
-              <a:ea typeface="Calibri"/>
-              <a:cs typeface="Calibri"/>
-              <a:sym typeface="Calibri"/>
-            </a:endParaRPr>
-          </a:p>
-        </p:txBody>
-      </p:sp>
-      <p:sp>
-        <p:nvSpPr>
-          <p:cNvPr id="26" name="Google Shape;26;p3"/>
-          <p:cNvSpPr/>
-          <p:nvPr/>
-        </p:nvSpPr>
-        <p:spPr>
-          <a:xfrm rot="-5400000" flipH="1">
-            <a:off x="-428544" y="2831032"/>
-            <a:ext cx="2195100" cy="1338000"/>
-          </a:xfrm>
-          <a:prstGeom prst="parallelogram">
-            <a:avLst>
-              <a:gd name="adj" fmla="val 81897"/>
-            </a:avLst>
-          </a:prstGeom>
-          <a:gradFill>
-            <a:gsLst>
-              <a:gs pos="0">
-                <a:srgbClr val="FF0066"/>
-              </a:gs>
-              <a:gs pos="100000">
-                <a:srgbClr val="FF9900"/>
-              </a:gs>
-            </a:gsLst>
-            <a:lin ang="5400012" scaled="0"/>
-          </a:gradFill>
-          <a:ln>
-            <a:noFill/>
-          </a:ln>
-        </p:spPr>
-        <p:txBody>
-          <a:bodyPr spcFirstLastPara="1" wrap="square" lIns="91425" tIns="45700" rIns="91425" bIns="45700" anchor="ctr" anchorCtr="0">
-            <a:noAutofit/>
-          </a:bodyPr>
-          <a:lstStyle/>
-          <a:p>
-            <a:pPr marL="0" marR="0" lvl="0" indent="0" algn="ctr" rtl="0">
-              <a:spcBef>
-                <a:spcPts val="0"/>
-              </a:spcBef>
-              <a:spcAft>
-                <a:spcPts val="0"/>
-              </a:spcAft>
-              <a:buNone/>
-            </a:pPr>
-            <a:endParaRPr sz="1800" b="0" i="0" u="none" strike="noStrike" cap="none">
-              <a:solidFill>
-                <a:srgbClr val="FFFFFF"/>
-              </a:solidFill>
-              <a:latin typeface="Calibri"/>
-              <a:ea typeface="Calibri"/>
-              <a:cs typeface="Calibri"/>
-              <a:sym typeface="Calibri"/>
-            </a:endParaRPr>
-          </a:p>
-        </p:txBody>
-      </p:sp>
-      <p:sp>
-        <p:nvSpPr>
-          <p:cNvPr id="27" name="Google Shape;27;p3"/>
-          <p:cNvSpPr/>
-          <p:nvPr/>
-        </p:nvSpPr>
-        <p:spPr>
-          <a:xfrm rot="-5400000" flipH="1">
-            <a:off x="563748" y="2068298"/>
-            <a:ext cx="1518900" cy="925500"/>
-          </a:xfrm>
-          <a:prstGeom prst="parallelogram">
-            <a:avLst>
-              <a:gd name="adj" fmla="val 81897"/>
-            </a:avLst>
-          </a:prstGeom>
-          <a:solidFill>
-            <a:srgbClr val="0066FF">
-              <a:alpha val="22690"/>
-            </a:srgbClr>
-          </a:solidFill>
-          <a:ln>
-            <a:noFill/>
-          </a:ln>
-        </p:spPr>
-        <p:txBody>
-          <a:bodyPr spcFirstLastPara="1" wrap="square" lIns="91425" tIns="45700" rIns="91425" bIns="45700" anchor="ctr" anchorCtr="0">
-            <a:noAutofit/>
-          </a:bodyPr>
-          <a:lstStyle/>
-          <a:p>
-            <a:pPr marL="0" marR="0" lvl="0" indent="0" algn="ctr" rtl="0">
-              <a:spcBef>
-                <a:spcPts val="0"/>
-              </a:spcBef>
-              <a:spcAft>
-                <a:spcPts val="0"/>
-              </a:spcAft>
-              <a:buNone/>
-            </a:pPr>
-            <a:endParaRPr sz="1800" b="0" i="0" u="none" strike="noStrike" cap="none">
-              <a:solidFill>
-                <a:srgbClr val="FFFFFF"/>
-              </a:solidFill>
-              <a:latin typeface="Calibri"/>
-              <a:ea typeface="Calibri"/>
-              <a:cs typeface="Calibri"/>
-              <a:sym typeface="Calibri"/>
-            </a:endParaRPr>
-          </a:p>
-        </p:txBody>
-      </p:sp>
-      <p:sp>
-        <p:nvSpPr>
-          <p:cNvPr id="28" name="Google Shape;28;p3"/>
-          <p:cNvSpPr/>
-          <p:nvPr/>
-        </p:nvSpPr>
-        <p:spPr>
-          <a:xfrm rot="5400000">
-            <a:off x="-253698" y="2260564"/>
-            <a:ext cx="1297200" cy="789900"/>
-          </a:xfrm>
-          <a:prstGeom prst="parallelogram">
-            <a:avLst>
-              <a:gd name="adj" fmla="val 81897"/>
-            </a:avLst>
-          </a:prstGeom>
-          <a:gradFill>
-            <a:gsLst>
-              <a:gs pos="0">
-                <a:srgbClr val="33CCCC"/>
-              </a:gs>
-              <a:gs pos="100000">
-                <a:srgbClr val="66FF33"/>
-              </a:gs>
-            </a:gsLst>
-            <a:lin ang="5400012" scaled="0"/>
-          </a:gradFill>
-          <a:ln>
-            <a:noFill/>
-          </a:ln>
-        </p:spPr>
-        <p:txBody>
-          <a:bodyPr spcFirstLastPara="1" wrap="square" lIns="91425" tIns="45700" rIns="91425" bIns="45700" anchor="ctr" anchorCtr="0">
-            <a:noAutofit/>
-          </a:bodyPr>
-          <a:lstStyle/>
-          <a:p>
-            <a:pPr marL="0" marR="0" lvl="0" indent="0" algn="ctr" rtl="0">
-              <a:spcBef>
-                <a:spcPts val="0"/>
-              </a:spcBef>
-              <a:spcAft>
-                <a:spcPts val="0"/>
-              </a:spcAft>
-              <a:buNone/>
-            </a:pPr>
-            <a:endParaRPr sz="1800" b="0" i="0" u="none" strike="noStrike" cap="none">
-              <a:solidFill>
-                <a:srgbClr val="FFFFFF"/>
-              </a:solidFill>
-              <a:latin typeface="Calibri"/>
-              <a:ea typeface="Calibri"/>
-              <a:cs typeface="Calibri"/>
-              <a:sym typeface="Calibri"/>
-            </a:endParaRPr>
-          </a:p>
-        </p:txBody>
-      </p:sp>
-      <p:sp>
-        <p:nvSpPr>
-          <p:cNvPr id="29" name="Google Shape;29;p3"/>
-          <p:cNvSpPr/>
-          <p:nvPr/>
-        </p:nvSpPr>
-        <p:spPr>
-          <a:xfrm rot="-5400000">
-            <a:off x="-192598" y="1950593"/>
-            <a:ext cx="985800" cy="600600"/>
-          </a:xfrm>
-          <a:prstGeom prst="parallelogram">
-            <a:avLst>
-              <a:gd name="adj" fmla="val 81897"/>
-            </a:avLst>
-          </a:prstGeom>
-          <a:solidFill>
-            <a:srgbClr val="FFFFFF">
-              <a:alpha val="14229"/>
-            </a:srgbClr>
-          </a:solidFill>
-          <a:ln>
-            <a:noFill/>
-          </a:ln>
-        </p:spPr>
-        <p:txBody>
-          <a:bodyPr spcFirstLastPara="1" wrap="square" lIns="91425" tIns="45700" rIns="91425" bIns="45700" anchor="ctr" anchorCtr="0">
-            <a:noAutofit/>
-          </a:bodyPr>
-          <a:lstStyle/>
-          <a:p>
-            <a:pPr marL="0" marR="0" lvl="0" indent="0" algn="ctr" rtl="0">
-              <a:spcBef>
-                <a:spcPts val="0"/>
-              </a:spcBef>
-              <a:spcAft>
-                <a:spcPts val="0"/>
-              </a:spcAft>
-              <a:buNone/>
-            </a:pPr>
-            <a:endParaRPr sz="1800" b="0" i="0" u="none" strike="noStrike" cap="none">
-              <a:solidFill>
-                <a:srgbClr val="FFFFFF"/>
-              </a:solidFill>
-              <a:latin typeface="Calibri"/>
-              <a:ea typeface="Calibri"/>
-              <a:cs typeface="Calibri"/>
-              <a:sym typeface="Calibri"/>
-            </a:endParaRPr>
-          </a:p>
-        </p:txBody>
-      </p:sp>
-      <p:sp>
-        <p:nvSpPr>
-          <p:cNvPr id="30" name="Google Shape;30;p3"/>
-          <p:cNvSpPr/>
-          <p:nvPr/>
-        </p:nvSpPr>
-        <p:spPr>
-          <a:xfrm rot="5400000" flipH="1">
-            <a:off x="7217675" y="1270025"/>
-            <a:ext cx="2394600" cy="1458900"/>
-          </a:xfrm>
-          <a:prstGeom prst="parallelogram">
-            <a:avLst>
-              <a:gd name="adj" fmla="val 81897"/>
-            </a:avLst>
-          </a:prstGeom>
-          <a:gradFill>
-            <a:gsLst>
-              <a:gs pos="0">
-                <a:srgbClr val="CC3399"/>
-              </a:gs>
-              <a:gs pos="100000">
-                <a:srgbClr val="6699FF"/>
-              </a:gs>
-            </a:gsLst>
-            <a:lin ang="5400012" scaled="0"/>
-          </a:gradFill>
-          <a:ln>
-            <a:noFill/>
-          </a:ln>
-        </p:spPr>
-        <p:txBody>
-          <a:bodyPr spcFirstLastPara="1" wrap="square" lIns="91425" tIns="45700" rIns="91425" bIns="45700" anchor="ctr" anchorCtr="0">
-            <a:noAutofit/>
-          </a:bodyPr>
-          <a:lstStyle/>
-          <a:p>
-            <a:pPr marL="0" marR="0" lvl="0" indent="0" algn="ctr" rtl="0">
-              <a:spcBef>
-                <a:spcPts val="0"/>
-              </a:spcBef>
-              <a:spcAft>
-                <a:spcPts val="0"/>
-              </a:spcAft>
-              <a:buNone/>
-            </a:pPr>
-            <a:endParaRPr sz="1800" b="0" i="0" u="none" strike="noStrike" cap="none">
-              <a:solidFill>
-                <a:srgbClr val="FFFFFF"/>
-              </a:solidFill>
-              <a:latin typeface="Calibri"/>
-              <a:ea typeface="Calibri"/>
-              <a:cs typeface="Calibri"/>
-              <a:sym typeface="Calibri"/>
-            </a:endParaRPr>
-          </a:p>
-        </p:txBody>
-      </p:sp>
-      <p:sp>
-        <p:nvSpPr>
-          <p:cNvPr id="31" name="Google Shape;31;p3"/>
-          <p:cNvSpPr/>
-          <p:nvPr/>
-        </p:nvSpPr>
-        <p:spPr>
-          <a:xfrm rot="-5400000">
-            <a:off x="7922499" y="2744289"/>
-            <a:ext cx="1518600" cy="925500"/>
-          </a:xfrm>
-          <a:prstGeom prst="parallelogram">
-            <a:avLst>
-              <a:gd name="adj" fmla="val 81897"/>
-            </a:avLst>
-          </a:prstGeom>
-          <a:gradFill>
-            <a:gsLst>
-              <a:gs pos="0">
-                <a:srgbClr val="FF0066"/>
-              </a:gs>
-              <a:gs pos="100000">
-                <a:srgbClr val="FF9900"/>
-              </a:gs>
-            </a:gsLst>
-            <a:lin ang="5400012" scaled="0"/>
-          </a:gradFill>
-          <a:ln>
-            <a:noFill/>
-          </a:ln>
-        </p:spPr>
-        <p:txBody>
-          <a:bodyPr spcFirstLastPara="1" wrap="square" lIns="91425" tIns="45700" rIns="91425" bIns="45700" anchor="ctr" anchorCtr="0">
-            <a:noAutofit/>
-          </a:bodyPr>
-          <a:lstStyle/>
-          <a:p>
-            <a:pPr marL="0" marR="0" lvl="0" indent="0" algn="ctr" rtl="0">
-              <a:spcBef>
-                <a:spcPts val="0"/>
-              </a:spcBef>
-              <a:spcAft>
-                <a:spcPts val="0"/>
-              </a:spcAft>
-              <a:buNone/>
-            </a:pPr>
-            <a:endParaRPr sz="1800" b="0" i="0" u="none" strike="noStrike" cap="none">
-              <a:solidFill>
-                <a:srgbClr val="FFFFFF"/>
-              </a:solidFill>
-              <a:latin typeface="Calibri"/>
-              <a:ea typeface="Calibri"/>
-              <a:cs typeface="Calibri"/>
-              <a:sym typeface="Calibri"/>
-            </a:endParaRPr>
-          </a:p>
-        </p:txBody>
-      </p:sp>
-      <p:sp>
-        <p:nvSpPr>
-          <p:cNvPr id="32" name="Google Shape;32;p3"/>
-          <p:cNvSpPr/>
-          <p:nvPr/>
-        </p:nvSpPr>
-        <p:spPr>
-          <a:xfrm rot="-5400000" flipH="1">
-            <a:off x="7315902" y="2802275"/>
-            <a:ext cx="1027800" cy="626100"/>
-          </a:xfrm>
-          <a:prstGeom prst="parallelogram">
-            <a:avLst>
-              <a:gd name="adj" fmla="val 81897"/>
-            </a:avLst>
-          </a:prstGeom>
-          <a:solidFill>
-            <a:srgbClr val="FFFFFF">
-              <a:alpha val="14229"/>
-            </a:srgbClr>
-          </a:solidFill>
-          <a:ln>
-            <a:noFill/>
-          </a:ln>
-        </p:spPr>
-        <p:txBody>
-          <a:bodyPr spcFirstLastPara="1" wrap="square" lIns="91425" tIns="45700" rIns="91425" bIns="45700" anchor="ctr" anchorCtr="0">
-            <a:noAutofit/>
-          </a:bodyPr>
-          <a:lstStyle/>
-          <a:p>
-            <a:pPr marL="0" marR="0" lvl="0" indent="0" algn="ctr" rtl="0">
-              <a:spcBef>
-                <a:spcPts val="0"/>
-              </a:spcBef>
-              <a:spcAft>
-                <a:spcPts val="0"/>
-              </a:spcAft>
-              <a:buNone/>
-            </a:pPr>
-            <a:endParaRPr sz="1800" b="0" i="0" u="none" strike="noStrike" cap="none">
-              <a:solidFill>
-                <a:srgbClr val="FFFFFF"/>
-              </a:solidFill>
-              <a:latin typeface="Calibri"/>
-              <a:ea typeface="Calibri"/>
-              <a:cs typeface="Calibri"/>
-              <a:sym typeface="Calibri"/>
-            </a:endParaRPr>
-          </a:p>
-        </p:txBody>
-      </p:sp>
-      <p:sp>
-        <p:nvSpPr>
-          <p:cNvPr id="33" name="Google Shape;33;p3"/>
-          <p:cNvSpPr/>
-          <p:nvPr/>
-        </p:nvSpPr>
-        <p:spPr>
-          <a:xfrm rot="-5400000" flipH="1">
-            <a:off x="6337825" y="578875"/>
-            <a:ext cx="1520100" cy="926100"/>
-          </a:xfrm>
-          <a:prstGeom prst="parallelogram">
-            <a:avLst>
-              <a:gd name="adj" fmla="val 81897"/>
-            </a:avLst>
-          </a:prstGeom>
-          <a:solidFill>
-            <a:srgbClr val="0066FF">
-              <a:alpha val="22690"/>
-            </a:srgbClr>
-          </a:solidFill>
-          <a:ln>
-            <a:noFill/>
-          </a:ln>
-        </p:spPr>
-        <p:txBody>
-          <a:bodyPr spcFirstLastPara="1" wrap="square" lIns="91425" tIns="45700" rIns="91425" bIns="45700" anchor="ctr" anchorCtr="0">
-            <a:noAutofit/>
-          </a:bodyPr>
-          <a:lstStyle/>
-          <a:p>
-            <a:pPr marL="0" marR="0" lvl="0" indent="0" algn="ctr" rtl="0">
-              <a:spcBef>
-                <a:spcPts val="0"/>
-              </a:spcBef>
-              <a:spcAft>
-                <a:spcPts val="0"/>
-              </a:spcAft>
-              <a:buNone/>
-            </a:pPr>
-            <a:endParaRPr sz="1800" b="0" i="0" u="none" strike="noStrike" cap="none">
-              <a:solidFill>
-                <a:srgbClr val="FFFFFF"/>
-              </a:solidFill>
-              <a:latin typeface="Calibri"/>
-              <a:ea typeface="Calibri"/>
-              <a:cs typeface="Calibri"/>
-              <a:sym typeface="Calibri"/>
-            </a:endParaRPr>
-          </a:p>
-        </p:txBody>
-      </p:sp>
-    </p:spTree>
-  </p:cSld>
-  <p:clrMapOvr>
-    <a:masterClrMapping/>
-  </p:clrMapOvr>
-</p:sldLayout>
-</file>
-
-<file path=ppt/slideLayouts/slideLayout3.xml><?xml version="1.0" encoding="utf-8"?>
 <p:sldLayout xmlns:a="http://schemas.openxmlformats.org/drawingml/2006/main" xmlns:r="http://schemas.openxmlformats.org/officeDocument/2006/relationships" xmlns:p="http://schemas.openxmlformats.org/presentationml/2006/main" matchingName="Quote">
   <p:cSld name="TITLE_1_1">
     <p:spTree>
@@ -3437,7 +3918,7 @@
 </p:sldLayout>
 </file>
 
-<file path=ppt/slideLayouts/slideLayout4.xml><?xml version="1.0" encoding="utf-8"?>
+<file path=ppt/slideLayouts/slideLayout3.xml><?xml version="1.0" encoding="utf-8"?>
 <p:sldLayout xmlns:a="http://schemas.openxmlformats.org/drawingml/2006/main" xmlns:r="http://schemas.openxmlformats.org/officeDocument/2006/relationships" xmlns:p="http://schemas.openxmlformats.org/presentationml/2006/main" matchingName="Title + 1 column" type="tx">
   <p:cSld name="TITLE_AND_BODY">
     <p:spTree>
@@ -4390,7 +4871,7 @@
 </p:sldLayout>
 </file>
 
-<file path=ppt/slideLayouts/slideLayout5.xml><?xml version="1.0" encoding="utf-8"?>
+<file path=ppt/slideLayouts/slideLayout4.xml><?xml version="1.0" encoding="utf-8"?>
 <p:sldLayout xmlns:a="http://schemas.openxmlformats.org/drawingml/2006/main" xmlns:r="http://schemas.openxmlformats.org/officeDocument/2006/relationships" xmlns:p="http://schemas.openxmlformats.org/presentationml/2006/main" matchingName="Title + 2 columns" type="twoColTx">
   <p:cSld name="TITLE_AND_TWO_COLUMNS">
     <p:spTree>
@@ -5470,7 +5951,7 @@
 </p:sldLayout>
 </file>
 
-<file path=ppt/slideLayouts/slideLayout6.xml><?xml version="1.0" encoding="utf-8"?>
+<file path=ppt/slideLayouts/slideLayout5.xml><?xml version="1.0" encoding="utf-8"?>
 <p:sldLayout xmlns:a="http://schemas.openxmlformats.org/drawingml/2006/main" xmlns:r="http://schemas.openxmlformats.org/officeDocument/2006/relationships" xmlns:p="http://schemas.openxmlformats.org/presentationml/2006/main" matchingName="Blank green gradient">
   <p:cSld name="BLANK_2">
     <p:bg>
@@ -6119,7 +6600,7 @@
 </p:sldLayout>
 </file>
 
-<file path=ppt/slideLayouts/slideLayout7.xml><?xml version="1.0" encoding="utf-8"?>
+<file path=ppt/slideLayouts/slideLayout6.xml><?xml version="1.0" encoding="utf-8"?>
 <p:sldLayout xmlns:a="http://schemas.openxmlformats.org/drawingml/2006/main" xmlns:r="http://schemas.openxmlformats.org/officeDocument/2006/relationships" xmlns:p="http://schemas.openxmlformats.org/presentationml/2006/main" matchingName="Blank big">
   <p:cSld name="BLANK_1">
     <p:spTree>
@@ -7475,12 +7956,11 @@
   <p:clrMap bg1="lt1" tx1="dk1" bg2="dk2" tx2="lt2" accent1="accent1" accent2="accent2" accent3="accent3" accent4="accent4" accent5="accent5" accent6="accent6" hlink="hlink" folHlink="folHlink"/>
   <p:sldLayoutIdLst>
     <p:sldLayoutId id="2147483648" r:id="rId1"/>
-    <p:sldLayoutId id="2147483649" r:id="rId2"/>
-    <p:sldLayoutId id="2147483650" r:id="rId3"/>
-    <p:sldLayoutId id="2147483651" r:id="rId4"/>
-    <p:sldLayoutId id="2147483652" r:id="rId5"/>
-    <p:sldLayoutId id="2147483657" r:id="rId6"/>
-    <p:sldLayoutId id="2147483660" r:id="rId7"/>
+    <p:sldLayoutId id="2147483650" r:id="rId2"/>
+    <p:sldLayoutId id="2147483651" r:id="rId3"/>
+    <p:sldLayoutId id="2147483652" r:id="rId4"/>
+    <p:sldLayoutId id="2147483657" r:id="rId5"/>
+    <p:sldLayoutId id="2147483660" r:id="rId6"/>
   </p:sldLayoutIdLst>
   <p:transition>
     <p:fade thruBlk="1"/>
@@ -8207,8 +8687,8 @@
         </p:nvSpPr>
         <p:spPr>
           <a:xfrm>
-            <a:off x="2051720" y="1275606"/>
-            <a:ext cx="4487700" cy="1159800"/>
+            <a:off x="1547664" y="1275606"/>
+            <a:ext cx="4991756" cy="1159800"/>
           </a:xfrm>
           <a:prstGeom prst="rect">
             <a:avLst/>
@@ -8228,7 +8708,7 @@
                 </a:solidFill>
                 <a:cs typeface="Times New Roman" pitchFamily="18" charset="0"/>
               </a:rPr>
-              <a:t>Аркадный 2-д </a:t>
+              <a:t>Двухмерный </a:t>
             </a:r>
             <a:r>
               <a:rPr lang="ru-RU" sz="3200" dirty="0" err="1" smtClean="0">
@@ -8380,7 +8860,25 @@
                 </a:solidFill>
                 <a:cs typeface="Hind" charset="0"/>
               </a:rPr>
-              <a:t>ИнжавинскаяСОШ</a:t>
+              <a:t>Инжавинская</a:t>
+            </a:r>
+            <a:r>
+              <a:rPr lang="en-US" dirty="0" smtClean="0">
+                <a:solidFill>
+                  <a:schemeClr val="bg1"/>
+                </a:solidFill>
+                <a:cs typeface="Hind" charset="0"/>
+              </a:rPr>
+              <a:t> </a:t>
+            </a:r>
+            <a:r>
+              <a:rPr lang="ru-RU" dirty="0" smtClean="0">
+                <a:solidFill>
+                  <a:schemeClr val="bg1"/>
+                </a:solidFill>
+                <a:cs typeface="Hind" charset="0"/>
+              </a:rPr>
+              <a:t>СОШ</a:t>
             </a:r>
             <a:r>
               <a:rPr lang="en-US" dirty="0" smtClean="0">
@@ -8448,8 +8946,14 @@
                 </a:solidFill>
                 <a:cs typeface="Hind" charset="0"/>
               </a:rPr>
-              <a:t>Андрей Егоров </a:t>
-            </a:r>
+              <a:t>Егоров Андрей </a:t>
+            </a:r>
+            <a:endParaRPr lang="ru-RU" dirty="0" smtClean="0">
+              <a:solidFill>
+                <a:schemeClr val="bg1"/>
+              </a:solidFill>
+              <a:cs typeface="Hind" charset="0"/>
+            </a:endParaRPr>
           </a:p>
           <a:p>
             <a:endParaRPr lang="ru-RU" dirty="0"/>
@@ -8490,6 +8994,42 @@
       </p:grpSpPr>
       <p:sp>
         <p:nvSpPr>
+          <p:cNvPr id="2" name="Заголовок 1"/>
+          <p:cNvSpPr>
+            <a:spLocks noGrp="1"/>
+          </p:cNvSpPr>
+          <p:nvPr>
+            <p:ph type="title"/>
+          </p:nvPr>
+        </p:nvSpPr>
+        <p:spPr>
+          <a:xfrm>
+            <a:off x="1043608" y="411510"/>
+            <a:ext cx="5972100" cy="636000"/>
+          </a:xfrm>
+        </p:spPr>
+        <p:txBody>
+          <a:bodyPr/>
+          <a:lstStyle/>
+          <a:p>
+            <a:r>
+              <a:rPr lang="ru-RU" dirty="0" smtClean="0"/>
+              <a:t>Режим </a:t>
+            </a:r>
+            <a:r>
+              <a:rPr lang="en-US" dirty="0" smtClean="0"/>
+              <a:t>Tutorial</a:t>
+            </a:r>
+            <a:r>
+              <a:rPr lang="ru-RU" dirty="0" smtClean="0"/>
+              <a:t> </a:t>
+            </a:r>
+            <a:endParaRPr lang="ru-RU" dirty="0"/>
+          </a:p>
+        </p:txBody>
+      </p:sp>
+      <p:sp>
+        <p:nvSpPr>
           <p:cNvPr id="3" name="Текст 2"/>
           <p:cNvSpPr>
             <a:spLocks noGrp="1"/>
@@ -8500,7 +9040,7 @@
         </p:nvSpPr>
         <p:spPr>
           <a:xfrm>
-            <a:off x="1043608" y="339502"/>
+            <a:off x="827584" y="1059582"/>
             <a:ext cx="5972100" cy="2764500"/>
           </a:xfrm>
         </p:spPr>
@@ -8508,19 +9048,45 @@
           <a:bodyPr/>
           <a:lstStyle/>
           <a:p>
-            <a:r>
-              <a:rPr lang="ru-RU" sz="1800" dirty="0" smtClean="0"/>
-              <a:t>В конце игры в режиме </a:t>
-            </a:r>
-            <a:r>
-              <a:rPr lang="en-US" sz="1800" dirty="0" smtClean="0"/>
-              <a:t>Adventure </a:t>
-            </a:r>
-            <a:r>
-              <a:rPr lang="ru-RU" sz="1800" dirty="0" smtClean="0"/>
-              <a:t>игрок может ввести своё имя и посмотреть лучшие результаты по времени</a:t>
-            </a:r>
-            <a:endParaRPr lang="ru-RU" sz="1800" dirty="0"/>
+            <a:pPr>
+              <a:buNone/>
+            </a:pPr>
+            <a:r>
+              <a:rPr lang="ru-RU" dirty="0" smtClean="0"/>
+              <a:t>	Обучение основным элементам </a:t>
+            </a:r>
+            <a:r>
+              <a:rPr lang="ru-RU" dirty="0" err="1" smtClean="0"/>
+              <a:t>геймплея</a:t>
+            </a:r>
+            <a:r>
+              <a:rPr lang="en-US" dirty="0" smtClean="0"/>
+              <a:t>:</a:t>
+            </a:r>
+          </a:p>
+          <a:p>
+            <a:r>
+              <a:rPr lang="ru-RU" dirty="0" smtClean="0"/>
+              <a:t>стрельба</a:t>
+            </a:r>
+          </a:p>
+          <a:p>
+            <a:r>
+              <a:rPr lang="ru-RU" dirty="0" smtClean="0"/>
+              <a:t>ближний бой</a:t>
+            </a:r>
+          </a:p>
+          <a:p>
+            <a:r>
+              <a:rPr lang="ru-RU" dirty="0" smtClean="0"/>
+              <a:t>бег</a:t>
+            </a:r>
+          </a:p>
+          <a:p>
+            <a:r>
+              <a:rPr lang="ru-RU" dirty="0" smtClean="0"/>
+              <a:t>прыжок</a:t>
+            </a:r>
           </a:p>
         </p:txBody>
       </p:sp>
@@ -8561,28 +9127,28 @@
               </a:pPr>
               <a:t>10</a:t>
             </a:fld>
-            <a:endParaRPr lang="en"/>
+            <a:endParaRPr lang="en" dirty="0"/>
           </a:p>
         </p:txBody>
       </p:sp>
       <p:pic>
         <p:nvPicPr>
-          <p:cNvPr id="5" name="Рисунок 4" descr="Screenshot_6.jpg"/>
+          <p:cNvPr id="5" name="Рисунок 4" descr="Screenshot_5.jpg"/>
           <p:cNvPicPr>
             <a:picLocks noChangeAspect="1"/>
           </p:cNvPicPr>
           <p:nvPr/>
         </p:nvPicPr>
         <p:blipFill>
-          <a:blip r:embed="rId2"/>
+          <a:blip r:embed="rId3"/>
           <a:stretch>
             <a:fillRect/>
           </a:stretch>
         </p:blipFill>
         <p:spPr>
           <a:xfrm>
-            <a:off x="1619672" y="1491630"/>
-            <a:ext cx="5321500" cy="3340090"/>
+            <a:off x="3275856" y="1707654"/>
+            <a:ext cx="5172665" cy="3238617"/>
           </a:xfrm>
           <a:prstGeom prst="rect">
             <a:avLst/>
@@ -8609,7 +9175,7 @@
   <p:cSld>
     <p:spTree>
       <p:nvGrpSpPr>
-        <p:cNvPr id="1" name="Shape 217"/>
+        <p:cNvPr id="1" name=""/>
         <p:cNvGrpSpPr/>
         <p:nvPr/>
       </p:nvGrpSpPr>
@@ -8623,69 +9189,119 @@
       </p:grpSpPr>
       <p:sp>
         <p:nvSpPr>
-          <p:cNvPr id="218" name="Google Shape;218;p18"/>
-          <p:cNvSpPr txBox="1">
+          <p:cNvPr id="2" name="Заголовок 1"/>
+          <p:cNvSpPr>
             <a:spLocks noGrp="1"/>
           </p:cNvSpPr>
           <p:nvPr>
-            <p:ph type="ctrTitle"/>
+            <p:ph type="title"/>
           </p:nvPr>
         </p:nvSpPr>
         <p:spPr>
           <a:xfrm>
-            <a:off x="2555776" y="-579900"/>
-            <a:ext cx="3848100" cy="1159800"/>
+            <a:off x="1043608" y="411510"/>
+            <a:ext cx="5972100" cy="636000"/>
           </a:xfrm>
-          <a:prstGeom prst="rect">
-            <a:avLst/>
-          </a:prstGeom>
         </p:spPr>
         <p:txBody>
-          <a:bodyPr spcFirstLastPara="1" wrap="square" lIns="91425" tIns="91425" rIns="91425" bIns="91425" anchor="b" anchorCtr="0">
-            <a:noAutofit/>
-          </a:bodyPr>
+          <a:bodyPr/>
           <a:lstStyle/>
           <a:p>
-            <a:pPr marL="0" lvl="0" indent="0" algn="ctr" rtl="0">
-              <a:spcBef>
-                <a:spcPts val="0"/>
-              </a:spcBef>
-              <a:spcAft>
-                <a:spcPts val="0"/>
-              </a:spcAft>
-              <a:buNone/>
-            </a:pPr>
             <a:r>
               <a:rPr lang="ru-RU" dirty="0" smtClean="0"/>
-              <a:t>Видео - обзор</a:t>
-            </a:r>
-            <a:endParaRPr dirty="0"/>
+              <a:t>Работа над проектом</a:t>
+            </a:r>
+            <a:endParaRPr lang="ru-RU" dirty="0"/>
           </a:p>
         </p:txBody>
       </p:sp>
       <p:sp>
         <p:nvSpPr>
-          <p:cNvPr id="220" name="Google Shape;220;p18"/>
-          <p:cNvSpPr txBox="1">
+          <p:cNvPr id="3" name="Текст 2"/>
+          <p:cNvSpPr>
             <a:spLocks noGrp="1"/>
           </p:cNvSpPr>
           <p:nvPr>
-            <p:ph type="sldNum" idx="4294967295"/>
+            <p:ph type="body" idx="1"/>
           </p:nvPr>
         </p:nvSpPr>
         <p:spPr>
           <a:xfrm>
-            <a:off x="8556775" y="4812625"/>
-            <a:ext cx="587100" cy="330900"/>
+            <a:off x="1043608" y="1059582"/>
+            <a:ext cx="5972100" cy="2764500"/>
           </a:xfrm>
-          <a:prstGeom prst="rect">
-            <a:avLst/>
-          </a:prstGeom>
         </p:spPr>
         <p:txBody>
-          <a:bodyPr spcFirstLastPara="1" wrap="square" lIns="91425" tIns="91425" rIns="91425" bIns="91425" anchor="t" anchorCtr="0">
-            <a:noAutofit/>
-          </a:bodyPr>
+          <a:bodyPr/>
+          <a:lstStyle/>
+          <a:p>
+            <a:pPr>
+              <a:buNone/>
+            </a:pPr>
+            <a:r>
+              <a:rPr lang="ru-RU" sz="1800" dirty="0" smtClean="0"/>
+              <a:t>	</a:t>
+            </a:r>
+            <a:r>
+              <a:rPr lang="ru-RU" sz="1800" dirty="0" smtClean="0"/>
+              <a:t>Я</a:t>
+            </a:r>
+            <a:r>
+              <a:rPr lang="ru-RU" sz="1800" dirty="0" smtClean="0"/>
+              <a:t> </a:t>
+            </a:r>
+            <a:r>
+              <a:rPr lang="ru-RU" sz="1800" dirty="0" smtClean="0"/>
+              <a:t>решил писать весь код игры в одном файле, изображения, аудио файлы я поместил </a:t>
+            </a:r>
+            <a:r>
+              <a:rPr lang="ru-RU" sz="1800" dirty="0" smtClean="0"/>
+              <a:t>в отдельной папке. </a:t>
+            </a:r>
+            <a:endParaRPr lang="ru-RU" sz="1800" dirty="0" smtClean="0"/>
+          </a:p>
+          <a:p>
+            <a:pPr>
+              <a:buNone/>
+            </a:pPr>
+            <a:r>
+              <a:rPr lang="ru-RU" sz="1800" dirty="0" smtClean="0"/>
+              <a:t>	Код игры представляет собой отдельные игровые циклы для каждого режима, помещённые в один большой игровой цикл. Спрайты и статичные объекты </a:t>
+            </a:r>
+            <a:r>
+              <a:rPr lang="ru-RU" sz="1800" dirty="0" err="1" smtClean="0"/>
+              <a:t>отрисовываются</a:t>
+            </a:r>
+            <a:r>
+              <a:rPr lang="ru-RU" sz="1800" dirty="0" smtClean="0"/>
+              <a:t> на экране в отдельной функции.</a:t>
+            </a:r>
+          </a:p>
+          <a:p>
+            <a:pPr>
+              <a:buNone/>
+            </a:pPr>
+            <a:r>
+              <a:rPr lang="ru-RU" sz="1800" dirty="0" smtClean="0"/>
+              <a:t>	Код заставки, меню паузы, главного меню, заставки окончания игры и таблицы лидеров также помещены в отдельные функции.</a:t>
+            </a:r>
+            <a:endParaRPr lang="ru-RU" sz="1800" dirty="0"/>
+          </a:p>
+        </p:txBody>
+      </p:sp>
+      <p:sp>
+        <p:nvSpPr>
+          <p:cNvPr id="4" name="Номер слайда 3"/>
+          <p:cNvSpPr>
+            <a:spLocks noGrp="1"/>
+          </p:cNvSpPr>
+          <p:nvPr>
+            <p:ph type="sldNum" idx="12"/>
+          </p:nvPr>
+        </p:nvSpPr>
+        <p:spPr/>
+        <p:txBody>
+          <a:bodyPr/>
           <a:lstStyle/>
           <a:p>
             <a:pPr marL="0" lvl="0" indent="0" algn="r" rtl="0">
@@ -8698,7 +9314,7 @@
               <a:buNone/>
             </a:pPr>
             <a:fld id="{00000000-1234-1234-1234-123412341234}" type="slidenum">
-              <a:rPr lang="en"/>
+              <a:rPr lang="en" smtClean="0"/>
               <a:pPr marL="0" lvl="0" indent="0" algn="r" rtl="0">
                 <a:spcBef>
                   <a:spcPts val="0"/>
@@ -8710,38 +9326,10 @@
               </a:pPr>
               <a:t>11</a:t>
             </a:fld>
-            <a:endParaRPr/>
+            <a:endParaRPr lang="en"/>
           </a:p>
         </p:txBody>
       </p:sp>
-      <p:pic>
-        <p:nvPicPr>
-          <p:cNvPr id="5" name="Gameplay.mp4">
-            <a:hlinkClick r:id="" action="ppaction://media"/>
-          </p:cNvPr>
-          <p:cNvPicPr>
-            <a:picLocks noRot="1" noChangeAspect="1"/>
-          </p:cNvPicPr>
-          <p:nvPr>
-            <a:videoFile r:link="rId1"/>
-          </p:nvPr>
-        </p:nvPicPr>
-        <p:blipFill>
-          <a:blip r:embed="rId4"/>
-          <a:stretch>
-            <a:fillRect/>
-          </a:stretch>
-        </p:blipFill>
-        <p:spPr>
-          <a:xfrm>
-            <a:off x="1043608" y="555526"/>
-            <a:ext cx="7056784" cy="4404234"/>
-          </a:xfrm>
-          <a:prstGeom prst="rect">
-            <a:avLst/>
-          </a:prstGeom>
-        </p:spPr>
-      </p:pic>
     </p:spTree>
   </p:cSld>
   <p:clrMapOvr>
@@ -8750,92 +9338,7 @@
   <p:timing>
     <p:tnLst>
       <p:par>
-        <p:cTn id="1" dur="indefinite" restart="never" nodeType="tmRoot">
-          <p:childTnLst>
-            <p:seq concurrent="1" nextAc="seek">
-              <p:cTn id="2" restart="whenNotActive" fill="hold" evtFilter="cancelBubble" nodeType="interactiveSeq">
-                <p:stCondLst>
-                  <p:cond evt="onClick" delay="0">
-                    <p:tgtEl>
-                      <p:spTgt spid="5"/>
-                    </p:tgtEl>
-                  </p:cond>
-                </p:stCondLst>
-                <p:endSync evt="end" delay="0">
-                  <p:rtn val="all"/>
-                </p:endSync>
-                <p:childTnLst>
-                  <p:par>
-                    <p:cTn id="3" fill="hold">
-                      <p:stCondLst>
-                        <p:cond delay="0"/>
-                      </p:stCondLst>
-                      <p:childTnLst>
-                        <p:par>
-                          <p:cTn id="4" fill="hold">
-                            <p:stCondLst>
-                              <p:cond delay="0"/>
-                            </p:stCondLst>
-                            <p:childTnLst>
-                              <p:par>
-                                <p:cTn id="5" presetID="2" presetClass="mediacall" presetSubtype="0" fill="hold" nodeType="clickEffect">
-                                  <p:stCondLst>
-                                    <p:cond delay="0"/>
-                                  </p:stCondLst>
-                                  <p:childTnLst>
-                                    <p:cmd type="call" cmd="togglePause">
-                                      <p:cBhvr>
-                                        <p:cTn id="6" dur="1" fill="hold"/>
-                                        <p:tgtEl>
-                                          <p:spTgt spid="5"/>
-                                        </p:tgtEl>
-                                      </p:cBhvr>
-                                    </p:cmd>
-                                  </p:childTnLst>
-                                </p:cTn>
-                              </p:par>
-                            </p:childTnLst>
-                          </p:cTn>
-                        </p:par>
-                      </p:childTnLst>
-                    </p:cTn>
-                  </p:par>
-                </p:childTnLst>
-              </p:cTn>
-              <p:nextCondLst>
-                <p:cond evt="onClick" delay="0">
-                  <p:tgtEl>
-                    <p:spTgt spid="5"/>
-                  </p:tgtEl>
-                </p:cond>
-              </p:nextCondLst>
-            </p:seq>
-            <p:video>
-              <p:cMediaNode>
-                <p:cTn id="7" fill="hold" display="0">
-                  <p:stCondLst>
-                    <p:cond delay="indefinite"/>
-                  </p:stCondLst>
-                  <p:endCondLst>
-                    <p:cond evt="onNext" delay="0">
-                      <p:tgtEl>
-                        <p:sldTgt/>
-                      </p:tgtEl>
-                    </p:cond>
-                    <p:cond evt="onPrev" delay="0">
-                      <p:tgtEl>
-                        <p:sldTgt/>
-                      </p:tgtEl>
-                    </p:cond>
-                  </p:endCondLst>
-                </p:cTn>
-                <p:tgtEl>
-                  <p:spTgt spid="5"/>
-                </p:tgtEl>
-              </p:cMediaNode>
-            </p:video>
-          </p:childTnLst>
-        </p:cTn>
+        <p:cTn id="1" dur="indefinite" restart="never" nodeType="tmRoot"/>
       </p:par>
     </p:tnLst>
   </p:timing>
@@ -8954,22 +9457,14 @@
           <a:p>
             <a:r>
               <a:rPr lang="ru-RU" dirty="0" smtClean="0"/>
-              <a:t>добавить </a:t>
-            </a:r>
+              <a:t>добавить уровни, врагов,</a:t>
+            </a:r>
+            <a:endParaRPr lang="en-US" dirty="0" smtClean="0"/>
+          </a:p>
+          <a:p>
             <a:r>
               <a:rPr lang="ru-RU" dirty="0" smtClean="0"/>
-              <a:t>уровни, врагов,</a:t>
-            </a:r>
-            <a:endParaRPr lang="en-US" dirty="0" smtClean="0"/>
-          </a:p>
-          <a:p>
-            <a:r>
-              <a:rPr lang="ru-RU" dirty="0" smtClean="0"/>
-              <a:t>д</a:t>
-            </a:r>
-            <a:r>
-              <a:rPr lang="ru-RU" dirty="0" smtClean="0"/>
-              <a:t>оработать поддержку </a:t>
+              <a:t>доработать поддержку </a:t>
             </a:r>
             <a:r>
               <a:rPr lang="ru-RU" dirty="0" err="1" smtClean="0"/>
@@ -9023,6 +9518,75 @@
               <a:t>12</a:t>
             </a:fld>
             <a:endParaRPr lang="en"/>
+          </a:p>
+        </p:txBody>
+      </p:sp>
+      <p:sp>
+        <p:nvSpPr>
+          <p:cNvPr id="5" name="TextBox 4"/>
+          <p:cNvSpPr txBox="1"/>
+          <p:nvPr/>
+        </p:nvSpPr>
+        <p:spPr>
+          <a:xfrm>
+            <a:off x="1187624" y="4371950"/>
+            <a:ext cx="6768752" cy="523220"/>
+          </a:xfrm>
+          <a:prstGeom prst="rect">
+            <a:avLst/>
+          </a:prstGeom>
+          <a:noFill/>
+        </p:spPr>
+        <p:txBody>
+          <a:bodyPr wrap="square" rtlCol="0">
+            <a:spAutoFit/>
+          </a:bodyPr>
+          <a:lstStyle/>
+          <a:p>
+            <a:r>
+              <a:rPr lang="ru-RU" dirty="0" smtClean="0">
+                <a:solidFill>
+                  <a:schemeClr val="bg1"/>
+                </a:solidFill>
+              </a:rPr>
+              <a:t>Ссылка на проект в </a:t>
+            </a:r>
+            <a:r>
+              <a:rPr lang="en-US" dirty="0" err="1" smtClean="0">
+                <a:solidFill>
+                  <a:schemeClr val="bg1"/>
+                </a:solidFill>
+              </a:rPr>
+              <a:t>GitHub</a:t>
+            </a:r>
+            <a:r>
+              <a:rPr lang="en-US" dirty="0" smtClean="0">
+                <a:solidFill>
+                  <a:schemeClr val="bg1"/>
+                </a:solidFill>
+              </a:rPr>
+              <a:t>:</a:t>
+            </a:r>
+            <a:endParaRPr lang="ru-RU" dirty="0" smtClean="0">
+              <a:solidFill>
+                <a:schemeClr val="bg1"/>
+              </a:solidFill>
+            </a:endParaRPr>
+          </a:p>
+          <a:p>
+            <a:r>
+              <a:rPr lang="en-US" dirty="0" smtClean="0">
+                <a:solidFill>
+                  <a:schemeClr val="bg1"/>
+                </a:solidFill>
+              </a:rPr>
+              <a:t>https://github.com/RomanRodionov/TheGame.git</a:t>
+            </a:r>
+            <a:endParaRPr lang="ru-RU" dirty="0">
+              <a:solidFill>
+                <a:schemeClr val="bg1"/>
+              </a:solidFill>
+            </a:endParaRPr>
           </a:p>
         </p:txBody>
       </p:sp>
@@ -9104,7 +9668,7 @@
         </p:nvSpPr>
         <p:spPr>
           <a:xfrm>
-            <a:off x="1043608" y="1203598"/>
+            <a:off x="1043608" y="771550"/>
             <a:ext cx="5760640" cy="2869800"/>
           </a:xfrm>
           <a:prstGeom prst="rect">
@@ -9125,100 +9689,37 @@
               <a:buNone/>
             </a:pPr>
             <a:r>
-              <a:rPr lang="ru-RU" b="1" dirty="0" smtClean="0"/>
-              <a:t>Аркада</a:t>
-            </a:r>
-            <a:r>
               <a:rPr lang="ru-RU" dirty="0" smtClean="0"/>
-              <a:t> (англ. </a:t>
-            </a:r>
-            <a:r>
-              <a:rPr lang="ru-RU" i="1" dirty="0" err="1" smtClean="0"/>
-              <a:t>arcade</a:t>
-            </a:r>
-            <a:r>
-              <a:rPr lang="ru-RU" i="1" dirty="0" smtClean="0"/>
-              <a:t> </a:t>
-            </a:r>
-            <a:r>
-              <a:rPr lang="ru-RU" i="1" dirty="0" err="1" smtClean="0"/>
-              <a:t>game</a:t>
-            </a:r>
-            <a:r>
-              <a:rPr lang="ru-RU" i="1" dirty="0" smtClean="0"/>
-              <a:t>, </a:t>
-            </a:r>
-            <a:r>
-              <a:rPr lang="ru-RU" i="1" dirty="0" err="1" smtClean="0"/>
-              <a:t>arcade</a:t>
-            </a:r>
-            <a:r>
-              <a:rPr lang="ru-RU" i="1" dirty="0" smtClean="0"/>
-              <a:t> </a:t>
-            </a:r>
-            <a:r>
-              <a:rPr lang="ru-RU" i="1" dirty="0" err="1" smtClean="0"/>
-              <a:t>genre</a:t>
+              <a:t>Идеей проекта было создание двумерного </a:t>
+            </a:r>
+            <a:r>
+              <a:rPr lang="ru-RU" dirty="0" err="1" smtClean="0"/>
+              <a:t>шутера</a:t>
             </a:r>
             <a:r>
               <a:rPr lang="ru-RU" dirty="0" smtClean="0"/>
-              <a:t>) </a:t>
+              <a:t>, напоминающего </a:t>
             </a:r>
             <a:r>
               <a:rPr lang="en-US" dirty="0" smtClean="0"/>
-              <a:t>-</a:t>
+              <a:t>Contra</a:t>
             </a:r>
             <a:r>
               <a:rPr lang="ru-RU" dirty="0" smtClean="0"/>
-              <a:t>жанр компьютерных игр, характеризующийся коротким по времени, но интенсивным игровым процессом.</a:t>
-            </a:r>
-          </a:p>
-          <a:p>
-            <a:pPr>
+              <a:t>, где действия происходят на одной локации. </a:t>
+            </a:r>
+          </a:p>
+          <a:p>
+            <a:pPr marL="0" indent="0">
+              <a:buClr>
+                <a:schemeClr val="dk1"/>
+              </a:buClr>
+              <a:buSzPts val="1100"/>
               <a:buNone/>
             </a:pPr>
             <a:r>
               <a:rPr lang="ru-RU" dirty="0" smtClean="0"/>
-              <a:t>Одной из первых аркадных игр является </a:t>
-            </a:r>
-            <a:r>
-              <a:rPr lang="ru-RU" i="1" dirty="0" err="1" smtClean="0"/>
-              <a:t>Computer</a:t>
-            </a:r>
-            <a:r>
-              <a:rPr lang="en-US" i="1" dirty="0" smtClean="0"/>
-              <a:t> S</a:t>
-            </a:r>
-            <a:r>
-              <a:rPr lang="ru-RU" i="1" dirty="0" err="1" smtClean="0"/>
-              <a:t>pac</a:t>
-            </a:r>
-            <a:r>
-              <a:rPr lang="en-US" i="1" dirty="0" smtClean="0"/>
-              <a:t>e,</a:t>
-            </a:r>
-            <a:r>
-              <a:rPr lang="ru-RU" dirty="0" smtClean="0"/>
-              <a:t> которая была создана в </a:t>
-            </a:r>
-            <a:r>
-              <a:rPr lang="ru-RU" dirty="0" smtClean="0">
-                <a:hlinkClick r:id="rId3" tooltip="1971 год в компьютерных играх"/>
-              </a:rPr>
-              <a:t>1971</a:t>
-            </a:r>
-            <a:r>
-              <a:rPr lang="ru-RU" dirty="0" smtClean="0"/>
-              <a:t> году.</a:t>
-            </a:r>
-          </a:p>
-          <a:p>
-            <a:pPr>
-              <a:buNone/>
-            </a:pPr>
-            <a:r>
-              <a:rPr lang="ru-RU" dirty="0" smtClean="0"/>
-              <a:t>В середине 1980-х аркадные игры начали своё широкое распространение, становясь более разнообразными, как относительно интерфейса управления (аркадного автомата), так и в плане тематики, графики и жанров.  </a:t>
+              <a:t> </a:t>
             </a:r>
           </a:p>
           <a:p>
@@ -9313,6 +9814,32 @@
           </a:p>
         </p:txBody>
       </p:sp>
+      <p:pic>
+        <p:nvPicPr>
+          <p:cNvPr id="1027" name="Picture 3" descr="C:\Users\ref\Desktop\Screenshot_3.jpg"/>
+          <p:cNvPicPr>
+            <a:picLocks noChangeAspect="1" noChangeArrowheads="1"/>
+          </p:cNvPicPr>
+          <p:nvPr/>
+        </p:nvPicPr>
+        <p:blipFill>
+          <a:blip r:embed="rId3"/>
+          <a:srcRect/>
+          <a:stretch>
+            <a:fillRect/>
+          </a:stretch>
+        </p:blipFill>
+        <p:spPr bwMode="auto">
+          <a:xfrm>
+            <a:off x="1547664" y="1851670"/>
+            <a:ext cx="5002610" cy="3125524"/>
+          </a:xfrm>
+          <a:prstGeom prst="rect">
+            <a:avLst/>
+          </a:prstGeom>
+          <a:noFill/>
+        </p:spPr>
+      </p:pic>
     </p:spTree>
   </p:cSld>
   <p:clrMapOvr>
@@ -9347,7 +9874,35 @@
       </p:grpSpPr>
       <p:sp>
         <p:nvSpPr>
-          <p:cNvPr id="2" name="Текст 1"/>
+          <p:cNvPr id="2" name="Заголовок 1"/>
+          <p:cNvSpPr>
+            <a:spLocks noGrp="1"/>
+          </p:cNvSpPr>
+          <p:nvPr>
+            <p:ph type="title"/>
+          </p:nvPr>
+        </p:nvSpPr>
+        <p:spPr>
+          <a:xfrm>
+            <a:off x="1043608" y="411510"/>
+            <a:ext cx="5972100" cy="636000"/>
+          </a:xfrm>
+        </p:spPr>
+        <p:txBody>
+          <a:bodyPr/>
+          <a:lstStyle/>
+          <a:p>
+            <a:r>
+              <a:rPr lang="ru-RU" dirty="0" smtClean="0"/>
+              <a:t>Сюжет</a:t>
+            </a:r>
+            <a:endParaRPr lang="ru-RU" dirty="0"/>
+          </a:p>
+        </p:txBody>
+      </p:sp>
+      <p:sp>
+        <p:nvSpPr>
+          <p:cNvPr id="3" name="Текст 2"/>
           <p:cNvSpPr>
             <a:spLocks noGrp="1"/>
           </p:cNvSpPr>
@@ -9357,42 +9912,28 @@
         </p:nvSpPr>
         <p:spPr>
           <a:xfrm>
-            <a:off x="1907704" y="123478"/>
-            <a:ext cx="5184575" cy="2354166"/>
+            <a:off x="1187624" y="3939902"/>
+            <a:ext cx="5972100" cy="2764500"/>
           </a:xfrm>
         </p:spPr>
         <p:txBody>
           <a:bodyPr/>
           <a:lstStyle/>
           <a:p>
-            <a:pPr marL="0" indent="0" algn="l">
-              <a:buClr>
-                <a:schemeClr val="dk1"/>
-              </a:buClr>
-              <a:buSzPts val="1100"/>
+            <a:pPr>
               <a:buNone/>
             </a:pPr>
             <a:r>
               <a:rPr lang="ru-RU" sz="1800" dirty="0" smtClean="0"/>
-              <a:t>Жанр больше характерен для игровых автоматов, и с появлением персональных компьютеров</a:t>
-            </a:r>
-            <a:r>
-              <a:rPr lang="en-US" sz="1800" dirty="0" smtClean="0"/>
-              <a:t> </a:t>
-            </a:r>
-            <a:r>
-              <a:rPr lang="ru-RU" sz="1800" dirty="0" smtClean="0"/>
-              <a:t>и домашних игровых платформ он потерял популярность. </a:t>
-            </a:r>
-          </a:p>
-          <a:p>
-            <a:endParaRPr lang="ru-RU" dirty="0"/>
+              <a:t>Сюжетные вставки</a:t>
+            </a:r>
+            <a:endParaRPr lang="ru-RU" sz="1800" dirty="0"/>
           </a:p>
         </p:txBody>
       </p:sp>
       <p:sp>
         <p:nvSpPr>
-          <p:cNvPr id="3" name="Номер слайда 2"/>
+          <p:cNvPr id="4" name="Номер слайда 3"/>
           <p:cNvSpPr>
             <a:spLocks noGrp="1"/>
           </p:cNvSpPr>
@@ -9433,26 +9974,54 @@
       </p:sp>
       <p:pic>
         <p:nvPicPr>
-          <p:cNvPr id="5" name="Рисунок 4" descr="1509139936136258666.jpg"/>
+          <p:cNvPr id="2050" name="Picture 2" descr="C:\Users\ref\Desktop\Screenshot_4.jpg"/>
           <p:cNvPicPr>
-            <a:picLocks noChangeAspect="1"/>
+            <a:picLocks noChangeAspect="1" noChangeArrowheads="1"/>
           </p:cNvPicPr>
           <p:nvPr/>
         </p:nvPicPr>
         <p:blipFill>
-          <a:blip r:embed="rId2"/>
+          <a:blip r:embed="rId3"/>
+          <a:srcRect/>
           <a:stretch>
             <a:fillRect/>
           </a:stretch>
         </p:blipFill>
-        <p:spPr>
-          <a:xfrm>
-            <a:off x="2483768" y="1779662"/>
-            <a:ext cx="3806951" cy="3171666"/>
+        <p:spPr bwMode="auto">
+          <a:xfrm rot="247646">
+            <a:off x="3648507" y="1632094"/>
+            <a:ext cx="3993070" cy="2495228"/>
           </a:xfrm>
           <a:prstGeom prst="rect">
             <a:avLst/>
           </a:prstGeom>
+          <a:noFill/>
+        </p:spPr>
+      </p:pic>
+      <p:pic>
+        <p:nvPicPr>
+          <p:cNvPr id="2051" name="Picture 3" descr="C:\Users\ref\Desktop\Screenshot_5.jpg"/>
+          <p:cNvPicPr>
+            <a:picLocks noChangeAspect="1" noChangeArrowheads="1"/>
+          </p:cNvPicPr>
+          <p:nvPr/>
+        </p:nvPicPr>
+        <p:blipFill>
+          <a:blip r:embed="rId4"/>
+          <a:srcRect/>
+          <a:stretch>
+            <a:fillRect/>
+          </a:stretch>
+        </p:blipFill>
+        <p:spPr bwMode="auto">
+          <a:xfrm rot="21393287">
+            <a:off x="830787" y="1255730"/>
+            <a:ext cx="4210590" cy="2629759"/>
+          </a:xfrm>
+          <a:prstGeom prst="rect">
+            <a:avLst/>
+          </a:prstGeom>
+          <a:noFill/>
         </p:spPr>
       </p:pic>
     </p:spTree>
@@ -9489,7 +10058,35 @@
       </p:grpSpPr>
       <p:sp>
         <p:nvSpPr>
-          <p:cNvPr id="2" name="Текст 1"/>
+          <p:cNvPr id="2" name="Заголовок 1"/>
+          <p:cNvSpPr>
+            <a:spLocks noGrp="1"/>
+          </p:cNvSpPr>
+          <p:nvPr>
+            <p:ph type="title"/>
+          </p:nvPr>
+        </p:nvSpPr>
+        <p:spPr>
+          <a:xfrm>
+            <a:off x="1043608" y="411510"/>
+            <a:ext cx="5972100" cy="636000"/>
+          </a:xfrm>
+        </p:spPr>
+        <p:txBody>
+          <a:bodyPr/>
+          <a:lstStyle/>
+          <a:p>
+            <a:r>
+              <a:rPr lang="ru-RU" dirty="0" smtClean="0"/>
+              <a:t>Сюжет</a:t>
+            </a:r>
+            <a:endParaRPr lang="ru-RU" dirty="0"/>
+          </a:p>
+        </p:txBody>
+      </p:sp>
+      <p:sp>
+        <p:nvSpPr>
+          <p:cNvPr id="3" name="Текст 2"/>
           <p:cNvSpPr>
             <a:spLocks noGrp="1"/>
           </p:cNvSpPr>
@@ -9499,77 +10096,28 @@
         </p:nvSpPr>
         <p:spPr>
           <a:xfrm>
-            <a:off x="1907704" y="1779662"/>
-            <a:ext cx="4692600" cy="819900"/>
+            <a:off x="827584" y="1347614"/>
+            <a:ext cx="3168352" cy="1008112"/>
           </a:xfrm>
         </p:spPr>
         <p:txBody>
           <a:bodyPr/>
           <a:lstStyle/>
           <a:p>
-            <a:pPr marL="0" indent="0" algn="l">
-              <a:buClr>
-                <a:schemeClr val="dk1"/>
-              </a:buClr>
-              <a:buSzPts val="1100"/>
+            <a:pPr>
               <a:buNone/>
             </a:pPr>
             <a:r>
               <a:rPr lang="ru-RU" sz="1800" dirty="0" smtClean="0"/>
-              <a:t>К характерным особенностям жанра аркады относятся</a:t>
-            </a:r>
-            <a:r>
-              <a:rPr lang="en-US" sz="1800" dirty="0" smtClean="0"/>
-              <a:t>: </a:t>
-            </a:r>
-            <a:r>
-              <a:rPr lang="ru-RU" sz="1800" dirty="0" smtClean="0"/>
-              <a:t>бесконечная игра, одна локация, кол-во жизней (попыток), игровой счет (очки или время), незамысловатый сюжет(или его отсутствие), простой </a:t>
-            </a:r>
-            <a:r>
-              <a:rPr lang="ru-RU" sz="1800" dirty="0" err="1" smtClean="0"/>
-              <a:t>геймплей</a:t>
-            </a:r>
-            <a:r>
-              <a:rPr lang="ru-RU" sz="1800" dirty="0" smtClean="0"/>
-              <a:t> и т. д.</a:t>
-            </a:r>
-            <a:endParaRPr lang="en-US" sz="1800" dirty="0" smtClean="0"/>
-          </a:p>
-          <a:p>
-            <a:pPr marL="0" indent="0" algn="l">
-              <a:buClr>
-                <a:schemeClr val="dk1"/>
-              </a:buClr>
-              <a:buSzPts val="1100"/>
-              <a:buNone/>
-            </a:pPr>
-            <a:r>
-              <a:rPr lang="ru-RU" sz="1800" dirty="0" smtClean="0"/>
-              <a:t>Я решил создать свою игру для компьютерной платформы, следуя канону жанра и используя средства языка </a:t>
-            </a:r>
-            <a:r>
-              <a:rPr lang="en-US" sz="1800" dirty="0" smtClean="0"/>
-              <a:t>Python </a:t>
-            </a:r>
-            <a:r>
-              <a:rPr lang="ru-RU" sz="1800" dirty="0" smtClean="0"/>
-              <a:t>и библиотеки </a:t>
-            </a:r>
-            <a:r>
-              <a:rPr lang="en-US" sz="1800" dirty="0" err="1" smtClean="0"/>
-              <a:t>PyGame</a:t>
-            </a:r>
-            <a:endParaRPr lang="ru-RU" sz="1800" dirty="0" smtClean="0"/>
-          </a:p>
-          <a:p>
-            <a:endParaRPr lang="ru-RU" dirty="0"/>
+              <a:t>Главный герой</a:t>
+            </a:r>
+            <a:endParaRPr lang="ru-RU" sz="1800" dirty="0"/>
           </a:p>
         </p:txBody>
       </p:sp>
       <p:sp>
         <p:nvSpPr>
-          <p:cNvPr id="3" name="Номер слайда 2"/>
+          <p:cNvPr id="4" name="Номер слайда 3"/>
           <p:cNvSpPr>
             <a:spLocks noGrp="1"/>
           </p:cNvSpPr>
@@ -9610,52 +10158,236 @@
       </p:sp>
       <p:pic>
         <p:nvPicPr>
-          <p:cNvPr id="4" name="Рисунок 3" descr="5848152fcef1014c0b5e4967.png"/>
+          <p:cNvPr id="3075" name="Picture 3" descr="C:\Users\ref\Desktop\Screenshot_1 - копия.jpg"/>
           <p:cNvPicPr>
-            <a:picLocks noChangeAspect="1"/>
-          </p:cNvPicPr>
-          <p:nvPr/>
-        </p:nvPicPr>
-        <p:blipFill>
-          <a:blip r:embed="rId2"/>
-          <a:stretch>
-            <a:fillRect/>
-          </a:stretch>
-        </p:blipFill>
-        <p:spPr>
-          <a:xfrm>
-            <a:off x="1835696" y="3651870"/>
-            <a:ext cx="935757" cy="932116"/>
-          </a:xfrm>
-          <a:prstGeom prst="rect">
-            <a:avLst/>
-          </a:prstGeom>
-        </p:spPr>
-      </p:pic>
-      <p:pic>
-        <p:nvPicPr>
-          <p:cNvPr id="5" name="Рисунок 4" descr="logo.png"/>
-          <p:cNvPicPr>
-            <a:picLocks noChangeAspect="1"/>
+            <a:picLocks noChangeAspect="1" noChangeArrowheads="1"/>
           </p:cNvPicPr>
           <p:nvPr/>
         </p:nvPicPr>
         <p:blipFill>
           <a:blip r:embed="rId3"/>
+          <a:srcRect/>
           <a:stretch>
             <a:fillRect/>
           </a:stretch>
         </p:blipFill>
-        <p:spPr>
+        <p:spPr bwMode="auto">
           <a:xfrm>
-            <a:off x="3347864" y="3651870"/>
-            <a:ext cx="3166998" cy="1253481"/>
+            <a:off x="3419872" y="2067694"/>
+            <a:ext cx="2907433" cy="1874887"/>
           </a:xfrm>
           <a:prstGeom prst="rect">
             <a:avLst/>
           </a:prstGeom>
+          <a:noFill/>
         </p:spPr>
       </p:pic>
+      <p:pic>
+        <p:nvPicPr>
+          <p:cNvPr id="3074" name="Picture 2" descr="C:\Users\ref\Desktop\Screenshot_6.jpg"/>
+          <p:cNvPicPr>
+            <a:picLocks noChangeAspect="1" noChangeArrowheads="1"/>
+          </p:cNvPicPr>
+          <p:nvPr/>
+        </p:nvPicPr>
+        <p:blipFill>
+          <a:blip r:embed="rId4"/>
+          <a:srcRect/>
+          <a:stretch>
+            <a:fillRect/>
+          </a:stretch>
+        </p:blipFill>
+        <p:spPr bwMode="auto">
+          <a:xfrm>
+            <a:off x="6588224" y="1995686"/>
+            <a:ext cx="1584176" cy="1959804"/>
+          </a:xfrm>
+          <a:prstGeom prst="rect">
+            <a:avLst/>
+          </a:prstGeom>
+          <a:noFill/>
+        </p:spPr>
+      </p:pic>
+      <p:pic>
+        <p:nvPicPr>
+          <p:cNvPr id="3076" name="Picture 4" descr="C:\Users\ref\Desktop\Screenshot_3 - копия.jpg"/>
+          <p:cNvPicPr>
+            <a:picLocks noChangeAspect="1" noChangeArrowheads="1"/>
+          </p:cNvPicPr>
+          <p:nvPr/>
+        </p:nvPicPr>
+        <p:blipFill>
+          <a:blip r:embed="rId5"/>
+          <a:srcRect/>
+          <a:stretch>
+            <a:fillRect/>
+          </a:stretch>
+        </p:blipFill>
+        <p:spPr bwMode="auto">
+          <a:xfrm>
+            <a:off x="683568" y="1923678"/>
+            <a:ext cx="2149720" cy="1944985"/>
+          </a:xfrm>
+          <a:prstGeom prst="rect">
+            <a:avLst/>
+          </a:prstGeom>
+          <a:noFill/>
+        </p:spPr>
+      </p:pic>
+      <p:sp>
+        <p:nvSpPr>
+          <p:cNvPr id="10" name="Текст 2"/>
+          <p:cNvSpPr txBox="1">
+            <a:spLocks/>
+          </p:cNvSpPr>
+          <p:nvPr/>
+        </p:nvSpPr>
+        <p:spPr>
+          <a:xfrm>
+            <a:off x="4355976" y="1491630"/>
+            <a:ext cx="3168352" cy="1008112"/>
+          </a:xfrm>
+          <a:prstGeom prst="rect">
+            <a:avLst/>
+          </a:prstGeom>
+          <a:noFill/>
+          <a:ln>
+            <a:noFill/>
+          </a:ln>
+        </p:spPr>
+        <p:txBody>
+          <a:bodyPr spcFirstLastPara="1" wrap="square" lIns="91425" tIns="91425" rIns="91425" bIns="91425" anchor="t" anchorCtr="0"/>
+          <a:lstStyle/>
+          <a:p>
+            <a:pPr marL="457200" marR="0" lvl="0" indent="-381000" algn="l" defTabSz="914400" rtl="0" eaLnBrk="1" fontAlgn="auto" latinLnBrk="0" hangingPunct="1">
+              <a:lnSpc>
+                <a:spcPct val="100000"/>
+              </a:lnSpc>
+              <a:spcBef>
+                <a:spcPts val="600"/>
+              </a:spcBef>
+              <a:spcAft>
+                <a:spcPts val="0"/>
+              </a:spcAft>
+              <a:buClr>
+                <a:srgbClr val="1C4587"/>
+              </a:buClr>
+              <a:buSzPts val="2400"/>
+              <a:buFont typeface="Hind"/>
+              <a:buNone/>
+              <a:tabLst/>
+              <a:defRPr/>
+            </a:pPr>
+            <a:r>
+              <a:rPr kumimoji="0" lang="ru-RU" sz="1800" b="0" i="0" u="none" strike="noStrike" kern="0" cap="none" spc="0" normalizeH="0" baseline="0" noProof="0" dirty="0" err="1" smtClean="0">
+                <a:ln>
+                  <a:noFill/>
+                </a:ln>
+                <a:solidFill>
+                  <a:srgbClr val="FFFFFF"/>
+                </a:solidFill>
+                <a:effectLst/>
+                <a:uLnTx/>
+                <a:uFillTx/>
+                <a:latin typeface="Hind"/>
+                <a:ea typeface="Hind"/>
+                <a:cs typeface="Hind"/>
+                <a:sym typeface="Hind"/>
+              </a:rPr>
+              <a:t>Мобы</a:t>
+            </a:r>
+            <a:endParaRPr kumimoji="0" lang="ru-RU" sz="1800" b="0" i="0" u="none" strike="noStrike" kern="0" cap="none" spc="0" normalizeH="0" baseline="0" noProof="0" dirty="0">
+              <a:ln>
+                <a:noFill/>
+              </a:ln>
+              <a:solidFill>
+                <a:srgbClr val="FFFFFF"/>
+              </a:solidFill>
+              <a:effectLst/>
+              <a:uLnTx/>
+              <a:uFillTx/>
+              <a:latin typeface="Hind"/>
+              <a:ea typeface="Hind"/>
+              <a:cs typeface="Hind"/>
+              <a:sym typeface="Hind"/>
+            </a:endParaRPr>
+          </a:p>
+        </p:txBody>
+      </p:sp>
+      <p:sp>
+        <p:nvSpPr>
+          <p:cNvPr id="11" name="Текст 2"/>
+          <p:cNvSpPr txBox="1">
+            <a:spLocks/>
+          </p:cNvSpPr>
+          <p:nvPr/>
+        </p:nvSpPr>
+        <p:spPr>
+          <a:xfrm>
+            <a:off x="6876256" y="1491630"/>
+            <a:ext cx="3168352" cy="1008112"/>
+          </a:xfrm>
+          <a:prstGeom prst="rect">
+            <a:avLst/>
+          </a:prstGeom>
+          <a:noFill/>
+          <a:ln>
+            <a:noFill/>
+          </a:ln>
+        </p:spPr>
+        <p:txBody>
+          <a:bodyPr spcFirstLastPara="1" wrap="square" lIns="91425" tIns="91425" rIns="91425" bIns="91425" anchor="t" anchorCtr="0"/>
+          <a:lstStyle/>
+          <a:p>
+            <a:pPr marL="457200" marR="0" lvl="0" indent="-381000" algn="l" defTabSz="914400" rtl="0" eaLnBrk="1" fontAlgn="auto" latinLnBrk="0" hangingPunct="1">
+              <a:lnSpc>
+                <a:spcPct val="100000"/>
+              </a:lnSpc>
+              <a:spcBef>
+                <a:spcPts val="600"/>
+              </a:spcBef>
+              <a:spcAft>
+                <a:spcPts val="0"/>
+              </a:spcAft>
+              <a:buClr>
+                <a:srgbClr val="1C4587"/>
+              </a:buClr>
+              <a:buSzPts val="2400"/>
+              <a:buFont typeface="Hind"/>
+              <a:buNone/>
+              <a:tabLst/>
+              <a:defRPr/>
+            </a:pPr>
+            <a:r>
+              <a:rPr lang="ru-RU" sz="1800" dirty="0" smtClean="0">
+                <a:solidFill>
+                  <a:srgbClr val="FFFFFF"/>
+                </a:solidFill>
+                <a:latin typeface="Hind"/>
+                <a:ea typeface="Hind"/>
+                <a:cs typeface="Hind"/>
+                <a:sym typeface="Hind"/>
+              </a:rPr>
+              <a:t>Босс</a:t>
+            </a:r>
+            <a:endParaRPr kumimoji="0" lang="ru-RU" sz="1800" b="0" i="0" u="none" strike="noStrike" kern="0" cap="none" spc="0" normalizeH="0" baseline="0" noProof="0" dirty="0">
+              <a:ln>
+                <a:noFill/>
+              </a:ln>
+              <a:solidFill>
+                <a:srgbClr val="FFFFFF"/>
+              </a:solidFill>
+              <a:effectLst/>
+              <a:uLnTx/>
+              <a:uFillTx/>
+              <a:latin typeface="Hind"/>
+              <a:ea typeface="Hind"/>
+              <a:cs typeface="Hind"/>
+              <a:sym typeface="Hind"/>
+            </a:endParaRPr>
+          </a:p>
+        </p:txBody>
+      </p:sp>
     </p:spTree>
   </p:cSld>
   <p:clrMapOvr>
@@ -9690,35 +10422,7 @@
       </p:grpSpPr>
       <p:sp>
         <p:nvSpPr>
-          <p:cNvPr id="2" name="Заголовок 1"/>
-          <p:cNvSpPr>
-            <a:spLocks noGrp="1"/>
-          </p:cNvSpPr>
-          <p:nvPr>
-            <p:ph type="title"/>
-          </p:nvPr>
-        </p:nvSpPr>
-        <p:spPr>
-          <a:xfrm>
-            <a:off x="1043608" y="411510"/>
-            <a:ext cx="5972100" cy="636000"/>
-          </a:xfrm>
-        </p:spPr>
-        <p:txBody>
-          <a:bodyPr/>
-          <a:lstStyle/>
-          <a:p>
-            <a:r>
-              <a:rPr lang="ru-RU" dirty="0" smtClean="0"/>
-              <a:t>Работа над проектом</a:t>
-            </a:r>
-            <a:endParaRPr lang="ru-RU" dirty="0"/>
-          </a:p>
-        </p:txBody>
-      </p:sp>
-      <p:sp>
-        <p:nvSpPr>
-          <p:cNvPr id="3" name="Текст 2"/>
+          <p:cNvPr id="2" name="Текст 1"/>
           <p:cNvSpPr>
             <a:spLocks noGrp="1"/>
           </p:cNvSpPr>
@@ -9728,54 +10432,63 @@
         </p:nvSpPr>
         <p:spPr>
           <a:xfrm>
-            <a:off x="1043608" y="1059582"/>
-            <a:ext cx="5972100" cy="2764500"/>
+            <a:off x="611560" y="339502"/>
+            <a:ext cx="5832648" cy="819900"/>
           </a:xfrm>
         </p:spPr>
         <p:txBody>
           <a:bodyPr/>
           <a:lstStyle/>
           <a:p>
-            <a:pPr>
+            <a:pPr algn="l">
               <a:buNone/>
             </a:pPr>
             <a:r>
               <a:rPr lang="ru-RU" sz="1800" dirty="0" smtClean="0"/>
-              <a:t>	Работу я начал с планирования структуры игры. Так как проект небольшой, то я решил писать весь код игры в одном файле, изображения, аудио файлы я поместил в папке </a:t>
+              <a:t>	</a:t>
+            </a:r>
+          </a:p>
+          <a:p>
+            <a:pPr algn="l">
+              <a:buNone/>
+            </a:pPr>
+            <a:r>
+              <a:rPr lang="ru-RU" sz="1800" dirty="0" smtClean="0"/>
+              <a:t>	</a:t>
             </a:r>
             <a:r>
               <a:rPr lang="en-US" sz="1800" dirty="0" smtClean="0"/>
-              <a:t>data</a:t>
+              <a:t>	</a:t>
             </a:r>
             <a:r>
               <a:rPr lang="ru-RU" sz="1800" dirty="0" smtClean="0"/>
-              <a:t>. </a:t>
-            </a:r>
-          </a:p>
-          <a:p>
-            <a:pPr>
+              <a:t>Главное меню </a:t>
+            </a:r>
+            <a:r>
+              <a:rPr lang="ru-RU" sz="1800" dirty="0" smtClean="0"/>
+              <a:t>выглядит</a:t>
+            </a:r>
+            <a:r>
+              <a:rPr lang="ru-RU" sz="1800" dirty="0" smtClean="0"/>
+              <a:t> </a:t>
+            </a:r>
+            <a:r>
+              <a:rPr lang="ru-RU" sz="1800" dirty="0" smtClean="0"/>
+              <a:t>так</a:t>
+            </a:r>
+            <a:r>
+              <a:rPr lang="en-US" sz="1800" dirty="0" smtClean="0"/>
+              <a:t>:</a:t>
+            </a:r>
+            <a:endParaRPr lang="ru-RU" sz="1800" dirty="0" smtClean="0"/>
+          </a:p>
+          <a:p>
+            <a:pPr algn="l">
               <a:buNone/>
             </a:pPr>
             <a:r>
               <a:rPr lang="ru-RU" sz="1800" dirty="0" smtClean="0"/>
-              <a:t>	Код игры представляет собой отдельные игровые циклы для каждого режима, помещённые в один большой игровой цикл. Спрайты и статичные объекты </a:t>
-            </a:r>
-            <a:r>
-              <a:rPr lang="ru-RU" sz="1800" dirty="0" err="1" smtClean="0"/>
-              <a:t>отрисовываются</a:t>
-            </a:r>
-            <a:r>
-              <a:rPr lang="ru-RU" sz="1800" dirty="0" smtClean="0"/>
-              <a:t> на экране в отдельной функции.</a:t>
-            </a:r>
-          </a:p>
-          <a:p>
-            <a:pPr>
-              <a:buNone/>
-            </a:pPr>
-            <a:r>
-              <a:rPr lang="ru-RU" sz="1800" dirty="0" smtClean="0"/>
-              <a:t>	Код заставки, меню паузы, главного меню, заставки окончания игры и таблицы лидеров также помещены в отдельные функции.</a:t>
+              <a:t>	 </a:t>
             </a:r>
             <a:endParaRPr lang="ru-RU" sz="1800" dirty="0"/>
           </a:p>
@@ -9783,7 +10496,7 @@
       </p:sp>
       <p:sp>
         <p:nvSpPr>
-          <p:cNvPr id="4" name="Номер слайда 3"/>
+          <p:cNvPr id="3" name="Номер слайда 2"/>
           <p:cNvSpPr>
             <a:spLocks noGrp="1"/>
           </p:cNvSpPr>
@@ -9822,6 +10535,30 @@
           </a:p>
         </p:txBody>
       </p:sp>
+      <p:pic>
+        <p:nvPicPr>
+          <p:cNvPr id="4" name="Рисунок 3" descr="Screenshot_1.jpg"/>
+          <p:cNvPicPr>
+            <a:picLocks noChangeAspect="1"/>
+          </p:cNvPicPr>
+          <p:nvPr/>
+        </p:nvPicPr>
+        <p:blipFill>
+          <a:blip r:embed="rId3"/>
+          <a:stretch>
+            <a:fillRect/>
+          </a:stretch>
+        </p:blipFill>
+        <p:spPr>
+          <a:xfrm>
+            <a:off x="1115616" y="1131590"/>
+            <a:ext cx="5895094" cy="3688986"/>
+          </a:xfrm>
+          <a:prstGeom prst="rect">
+            <a:avLst/>
+          </a:prstGeom>
+        </p:spPr>
+      </p:pic>
     </p:spTree>
   </p:cSld>
   <p:clrMapOvr>
@@ -9856,193 +10593,39 @@
       </p:grpSpPr>
       <p:sp>
         <p:nvSpPr>
-          <p:cNvPr id="2" name="Текст 1"/>
+          <p:cNvPr id="2" name="Заголовок 1"/>
           <p:cNvSpPr>
             <a:spLocks noGrp="1"/>
           </p:cNvSpPr>
           <p:nvPr>
-            <p:ph type="body" idx="1"/>
+            <p:ph type="title"/>
           </p:nvPr>
         </p:nvSpPr>
         <p:spPr>
           <a:xfrm>
-            <a:off x="1115616" y="2067694"/>
-            <a:ext cx="5832648" cy="819900"/>
+            <a:off x="1043608" y="267494"/>
+            <a:ext cx="5972100" cy="636000"/>
           </a:xfrm>
         </p:spPr>
         <p:txBody>
           <a:bodyPr/>
           <a:lstStyle/>
           <a:p>
-            <a:pPr algn="l">
-              <a:buNone/>
-            </a:pPr>
-            <a:r>
-              <a:rPr lang="ru-RU" sz="1800" dirty="0" smtClean="0"/>
-              <a:t>	В игры присутствуют такие объекты, как кнопки огонь, снаряды, </a:t>
-            </a:r>
-            <a:r>
-              <a:rPr lang="ru-RU" sz="1800" dirty="0" err="1" smtClean="0"/>
-              <a:t>мобы</a:t>
-            </a:r>
-            <a:r>
-              <a:rPr lang="ru-RU" sz="1800" dirty="0" smtClean="0"/>
-              <a:t> и </a:t>
-            </a:r>
-            <a:r>
-              <a:rPr lang="ru-RU" sz="1800" dirty="0" err="1" smtClean="0"/>
-              <a:t>спавнеры</a:t>
-            </a:r>
-            <a:r>
-              <a:rPr lang="ru-RU" sz="1800" dirty="0" smtClean="0"/>
-              <a:t> </a:t>
-            </a:r>
-            <a:r>
-              <a:rPr lang="ru-RU" sz="1800" dirty="0" err="1" smtClean="0"/>
-              <a:t>мобов</a:t>
-            </a:r>
-            <a:r>
-              <a:rPr lang="ru-RU" sz="1800" dirty="0" smtClean="0"/>
-              <a:t>, для которых написаны отдельные классы. Класс финального босса наследуется от класса </a:t>
-            </a:r>
-            <a:r>
-              <a:rPr lang="ru-RU" sz="1800" dirty="0" err="1" smtClean="0"/>
-              <a:t>мобов</a:t>
-            </a:r>
-            <a:r>
-              <a:rPr lang="ru-RU" sz="1800" dirty="0" smtClean="0"/>
-              <a:t>.</a:t>
-            </a:r>
-          </a:p>
-          <a:p>
-            <a:pPr algn="l">
-              <a:buNone/>
-            </a:pPr>
-            <a:r>
-              <a:rPr lang="ru-RU" sz="1800" dirty="0" smtClean="0"/>
-              <a:t>	Присутствуют такие режимы</a:t>
-            </a:r>
-            <a:r>
-              <a:rPr lang="en-US" sz="1800" dirty="0" smtClean="0"/>
-              <a:t>:</a:t>
-            </a:r>
-          </a:p>
-          <a:p>
-            <a:pPr algn="l">
-              <a:buNone/>
-            </a:pPr>
-            <a:r>
-              <a:rPr lang="en-US" sz="1800" dirty="0" smtClean="0"/>
-              <a:t>	Adventure</a:t>
-            </a:r>
-            <a:r>
-              <a:rPr lang="ru-RU" sz="1800" dirty="0" smtClean="0"/>
-              <a:t> (режим истории</a:t>
-            </a:r>
-          </a:p>
-          <a:p>
-            <a:pPr algn="l">
-              <a:buNone/>
-            </a:pPr>
-            <a:r>
-              <a:rPr lang="ru-RU" sz="1800" dirty="0" smtClean="0"/>
-              <a:t>	 с финальным боссом)</a:t>
-            </a:r>
-          </a:p>
-          <a:p>
-            <a:pPr algn="l">
-              <a:buNone/>
-            </a:pPr>
-            <a:r>
-              <a:rPr lang="ru-RU" sz="1800" dirty="0" smtClean="0"/>
-              <a:t>	</a:t>
-            </a:r>
-            <a:r>
-              <a:rPr lang="en-US" sz="1800" dirty="0" smtClean="0"/>
-              <a:t>Zen </a:t>
-            </a:r>
-            <a:r>
-              <a:rPr lang="ru-RU" sz="1800" dirty="0" smtClean="0"/>
-              <a:t>(бесконечный режим</a:t>
-            </a:r>
-          </a:p>
-          <a:p>
-            <a:pPr algn="l">
-              <a:buNone/>
-            </a:pPr>
-            <a:r>
-              <a:rPr lang="ru-RU" sz="1800" dirty="0" smtClean="0"/>
-              <a:t>	 против </a:t>
-            </a:r>
-            <a:r>
-              <a:rPr lang="ru-RU" sz="1800" dirty="0" err="1" smtClean="0"/>
-              <a:t>мобов</a:t>
-            </a:r>
-            <a:r>
-              <a:rPr lang="ru-RU" sz="1800" dirty="0" smtClean="0"/>
-              <a:t>)</a:t>
-            </a:r>
-          </a:p>
-          <a:p>
-            <a:pPr algn="l">
-              <a:buNone/>
-            </a:pPr>
-            <a:r>
-              <a:rPr lang="en-US" sz="1800" dirty="0" smtClean="0"/>
-              <a:t>	Tutorial </a:t>
-            </a:r>
-            <a:r>
-              <a:rPr lang="ru-RU" sz="1800" dirty="0" smtClean="0"/>
-              <a:t>(обучение)</a:t>
-            </a:r>
-          </a:p>
-          <a:p>
-            <a:pPr algn="l">
-              <a:buNone/>
-            </a:pPr>
-            <a:r>
-              <a:rPr lang="en-US" sz="1800" dirty="0" smtClean="0"/>
-              <a:t>	</a:t>
-            </a:r>
-            <a:r>
-              <a:rPr lang="ru-RU" sz="1800" dirty="0" smtClean="0"/>
-              <a:t>Главное меню выглядит</a:t>
-            </a:r>
-            <a:endParaRPr lang="en-US" sz="1800" dirty="0" smtClean="0"/>
-          </a:p>
-          <a:p>
-            <a:pPr algn="l">
-              <a:buNone/>
-            </a:pPr>
-            <a:r>
-              <a:rPr lang="en-US" sz="1800" dirty="0" smtClean="0"/>
-              <a:t>	</a:t>
-            </a:r>
-            <a:r>
-              <a:rPr lang="ru-RU" sz="1800" dirty="0" smtClean="0"/>
-              <a:t> так</a:t>
-            </a:r>
-            <a:r>
-              <a:rPr lang="en-US" sz="1800" dirty="0" smtClean="0"/>
-              <a:t>:</a:t>
-            </a:r>
-            <a:endParaRPr lang="ru-RU" sz="1800" dirty="0" smtClean="0"/>
-          </a:p>
-          <a:p>
-            <a:pPr algn="l">
-              <a:buNone/>
-            </a:pPr>
-            <a:r>
-              <a:rPr lang="ru-RU" sz="1800" dirty="0" smtClean="0"/>
-              <a:t>	 </a:t>
-            </a:r>
-            <a:endParaRPr lang="ru-RU" sz="1800" dirty="0"/>
+            <a:r>
+              <a:rPr lang="ru-RU" dirty="0" smtClean="0"/>
+              <a:t>Режим </a:t>
+            </a:r>
+            <a:r>
+              <a:rPr lang="en-US" dirty="0" smtClean="0"/>
+              <a:t>Adventure</a:t>
+            </a:r>
+            <a:endParaRPr lang="ru-RU" dirty="0"/>
           </a:p>
         </p:txBody>
       </p:sp>
       <p:sp>
         <p:nvSpPr>
-          <p:cNvPr id="3" name="Номер слайда 2"/>
+          <p:cNvPr id="4" name="Номер слайда 3"/>
           <p:cNvSpPr>
             <a:spLocks noGrp="1"/>
           </p:cNvSpPr>
@@ -10083,22 +10666,22 @@
       </p:sp>
       <p:pic>
         <p:nvPicPr>
-          <p:cNvPr id="4" name="Рисунок 3" descr="Screenshot_1.jpg"/>
+          <p:cNvPr id="5" name="Рисунок 4" descr="Screenshot_2.jpg"/>
           <p:cNvPicPr>
             <a:picLocks noChangeAspect="1"/>
           </p:cNvPicPr>
           <p:nvPr/>
         </p:nvPicPr>
         <p:blipFill>
-          <a:blip r:embed="rId2"/>
+          <a:blip r:embed="rId3"/>
           <a:stretch>
             <a:fillRect/>
           </a:stretch>
         </p:blipFill>
         <p:spPr>
           <a:xfrm>
-            <a:off x="4427984" y="2211710"/>
-            <a:ext cx="4454934" cy="2787774"/>
+            <a:off x="971600" y="987574"/>
+            <a:ext cx="6432282" cy="4002870"/>
           </a:xfrm>
           <a:prstGeom prst="rect">
             <a:avLst/>
@@ -10149,7 +10732,7 @@
         </p:nvSpPr>
         <p:spPr>
           <a:xfrm>
-            <a:off x="1043608" y="411510"/>
+            <a:off x="1043608" y="267494"/>
             <a:ext cx="5972100" cy="636000"/>
           </a:xfrm>
         </p:spPr>
@@ -10164,58 +10747,6 @@
             <a:r>
               <a:rPr lang="en-US" dirty="0" smtClean="0"/>
               <a:t>Adventure</a:t>
-            </a:r>
-            <a:endParaRPr lang="ru-RU" dirty="0"/>
-          </a:p>
-        </p:txBody>
-      </p:sp>
-      <p:sp>
-        <p:nvSpPr>
-          <p:cNvPr id="3" name="Текст 2"/>
-          <p:cNvSpPr>
-            <a:spLocks noGrp="1"/>
-          </p:cNvSpPr>
-          <p:nvPr>
-            <p:ph type="body" idx="1"/>
-          </p:nvPr>
-        </p:nvSpPr>
-        <p:spPr>
-          <a:xfrm>
-            <a:off x="1043608" y="987574"/>
-            <a:ext cx="5972100" cy="2764500"/>
-          </a:xfrm>
-        </p:spPr>
-        <p:txBody>
-          <a:bodyPr/>
-          <a:lstStyle/>
-          <a:p>
-            <a:pPr>
-              <a:buNone/>
-            </a:pPr>
-            <a:r>
-              <a:rPr lang="ru-RU" dirty="0" smtClean="0"/>
-              <a:t>	Игра состоит из двух уровней</a:t>
-            </a:r>
-            <a:r>
-              <a:rPr lang="en-US" dirty="0" smtClean="0"/>
-              <a:t>:</a:t>
-            </a:r>
-          </a:p>
-          <a:p>
-            <a:pPr>
-              <a:buNone/>
-            </a:pPr>
-            <a:r>
-              <a:rPr lang="ru-RU" dirty="0" smtClean="0"/>
-              <a:t>битва против </a:t>
-            </a:r>
-            <a:r>
-              <a:rPr lang="ru-RU" dirty="0" err="1" smtClean="0"/>
-              <a:t>мобов</a:t>
-            </a:r>
-            <a:r>
-              <a:rPr lang="ru-RU" dirty="0" smtClean="0"/>
-              <a:t> и против босса</a:t>
             </a:r>
             <a:endParaRPr lang="ru-RU" dirty="0"/>
           </a:p>
@@ -10264,50 +10795,28 @@
       </p:sp>
       <p:pic>
         <p:nvPicPr>
-          <p:cNvPr id="5" name="Рисунок 4" descr="Screenshot_2.jpg"/>
+          <p:cNvPr id="4098" name="Picture 2" descr="C:\Users\ref\Desktop\Screenshot_7.jpg"/>
           <p:cNvPicPr>
-            <a:picLocks noChangeAspect="1"/>
-          </p:cNvPicPr>
-          <p:nvPr/>
-        </p:nvPicPr>
-        <p:blipFill>
-          <a:blip r:embed="rId2"/>
-          <a:stretch>
-            <a:fillRect/>
-          </a:stretch>
-        </p:blipFill>
-        <p:spPr>
-          <a:xfrm>
-            <a:off x="395536" y="2427734"/>
-            <a:ext cx="3754033" cy="2346686"/>
-          </a:xfrm>
-          <a:prstGeom prst="rect">
-            <a:avLst/>
-          </a:prstGeom>
-        </p:spPr>
-      </p:pic>
-      <p:pic>
-        <p:nvPicPr>
-          <p:cNvPr id="6" name="Рисунок 5" descr="Screenshot_3.jpg"/>
-          <p:cNvPicPr>
-            <a:picLocks noChangeAspect="1"/>
+            <a:picLocks noChangeAspect="1" noChangeArrowheads="1"/>
           </p:cNvPicPr>
           <p:nvPr/>
         </p:nvPicPr>
         <p:blipFill>
           <a:blip r:embed="rId3"/>
+          <a:srcRect/>
           <a:stretch>
             <a:fillRect/>
           </a:stretch>
         </p:blipFill>
-        <p:spPr>
+        <p:spPr bwMode="auto">
           <a:xfrm>
-            <a:off x="4716016" y="2427734"/>
-            <a:ext cx="3672408" cy="2339366"/>
+            <a:off x="971600" y="987574"/>
+            <a:ext cx="6406772" cy="3997871"/>
           </a:xfrm>
           <a:prstGeom prst="rect">
             <a:avLst/>
           </a:prstGeom>
+          <a:noFill/>
         </p:spPr>
       </p:pic>
     </p:spTree>
@@ -10344,38 +10853,6 @@
       </p:grpSpPr>
       <p:sp>
         <p:nvSpPr>
-          <p:cNvPr id="2" name="Заголовок 1"/>
-          <p:cNvSpPr>
-            <a:spLocks noGrp="1"/>
-          </p:cNvSpPr>
-          <p:nvPr>
-            <p:ph type="title"/>
-          </p:nvPr>
-        </p:nvSpPr>
-        <p:spPr>
-          <a:xfrm>
-            <a:off x="1043608" y="411510"/>
-            <a:ext cx="5972100" cy="636000"/>
-          </a:xfrm>
-        </p:spPr>
-        <p:txBody>
-          <a:bodyPr/>
-          <a:lstStyle/>
-          <a:p>
-            <a:r>
-              <a:rPr lang="ru-RU" dirty="0" smtClean="0"/>
-              <a:t>Режим </a:t>
-            </a:r>
-            <a:r>
-              <a:rPr lang="en-US" dirty="0" smtClean="0"/>
-              <a:t>Zen</a:t>
-            </a:r>
-            <a:endParaRPr lang="ru-RU" dirty="0"/>
-          </a:p>
-        </p:txBody>
-      </p:sp>
-      <p:sp>
-        <p:nvSpPr>
           <p:cNvPr id="3" name="Текст 2"/>
           <p:cNvSpPr>
             <a:spLocks noGrp="1"/>
@@ -10386,7 +10863,7 @@
         </p:nvSpPr>
         <p:spPr>
           <a:xfrm>
-            <a:off x="1043608" y="987574"/>
+            <a:off x="1043608" y="339502"/>
             <a:ext cx="5972100" cy="2764500"/>
           </a:xfrm>
         </p:spPr>
@@ -10395,24 +10872,18 @@
           <a:lstStyle/>
           <a:p>
             <a:r>
-              <a:rPr lang="ru-RU" dirty="0" smtClean="0"/>
-              <a:t>Бесконечная игра против </a:t>
-            </a:r>
-            <a:r>
-              <a:rPr lang="ru-RU" dirty="0" err="1" smtClean="0"/>
-              <a:t>мобов</a:t>
-            </a:r>
-            <a:r>
-              <a:rPr lang="en-US" dirty="0" smtClean="0"/>
-              <a:t> </a:t>
-            </a:r>
-            <a:r>
-              <a:rPr lang="ru-RU" dirty="0" smtClean="0"/>
-              <a:t>(выиграть невозможно)</a:t>
-            </a:r>
-          </a:p>
-          <a:p>
-            <a:endParaRPr lang="ru-RU" dirty="0"/>
+              <a:rPr lang="ru-RU" sz="1800" dirty="0" smtClean="0"/>
+              <a:t>В конце игры в режиме </a:t>
+            </a:r>
+            <a:r>
+              <a:rPr lang="en-US" sz="1800" dirty="0" smtClean="0"/>
+              <a:t>Adventure </a:t>
+            </a:r>
+            <a:r>
+              <a:rPr lang="ru-RU" sz="1800" dirty="0" smtClean="0"/>
+              <a:t>игрок может ввести своё имя и посмотреть лучшие результаты по времени</a:t>
+            </a:r>
+            <a:endParaRPr lang="ru-RU" sz="1800" dirty="0"/>
           </a:p>
         </p:txBody>
       </p:sp>
@@ -10459,22 +10930,22 @@
       </p:sp>
       <p:pic>
         <p:nvPicPr>
-          <p:cNvPr id="5" name="Рисунок 4" descr="Screenshot_4.jpg"/>
+          <p:cNvPr id="5" name="Рисунок 4" descr="Screenshot_6.jpg"/>
           <p:cNvPicPr>
             <a:picLocks noChangeAspect="1"/>
           </p:cNvPicPr>
           <p:nvPr/>
         </p:nvPicPr>
         <p:blipFill>
-          <a:blip r:embed="rId2"/>
+          <a:blip r:embed="rId3"/>
           <a:stretch>
             <a:fillRect/>
           </a:stretch>
         </p:blipFill>
         <p:spPr>
           <a:xfrm>
-            <a:off x="2051720" y="2067694"/>
-            <a:ext cx="4469762" cy="2797053"/>
+            <a:off x="1619672" y="1491630"/>
+            <a:ext cx="5321500" cy="3340090"/>
           </a:xfrm>
           <a:prstGeom prst="rect">
             <a:avLst/>
@@ -10539,11 +11010,7 @@
             </a:r>
             <a:r>
               <a:rPr lang="en-US" dirty="0" smtClean="0"/>
-              <a:t>Tutorial</a:t>
-            </a:r>
-            <a:r>
-              <a:rPr lang="ru-RU" dirty="0" smtClean="0"/>
-              <a:t> </a:t>
+              <a:t>Zen</a:t>
             </a:r>
             <a:endParaRPr lang="ru-RU" dirty="0"/>
           </a:p>
@@ -10561,7 +11028,7 @@
         </p:nvSpPr>
         <p:spPr>
           <a:xfrm>
-            <a:off x="899592" y="1059582"/>
+            <a:off x="1043608" y="987574"/>
             <a:ext cx="5972100" cy="2764500"/>
           </a:xfrm>
         </p:spPr>
@@ -10569,45 +11036,25 @@
           <a:bodyPr/>
           <a:lstStyle/>
           <a:p>
-            <a:pPr>
-              <a:buNone/>
-            </a:pPr>
             <a:r>
               <a:rPr lang="ru-RU" dirty="0" smtClean="0"/>
-              <a:t>	Обучение основным элементам </a:t>
+              <a:t>Бесконечная игра против </a:t>
             </a:r>
             <a:r>
               <a:rPr lang="ru-RU" dirty="0" err="1" smtClean="0"/>
-              <a:t>геймплея</a:t>
+              <a:t>мобов</a:t>
             </a:r>
             <a:r>
               <a:rPr lang="en-US" dirty="0" smtClean="0"/>
-              <a:t>:</a:t>
-            </a:r>
-          </a:p>
-          <a:p>
+              <a:t> </a:t>
+            </a:r>
             <a:r>
               <a:rPr lang="ru-RU" dirty="0" smtClean="0"/>
-              <a:t>стрельба</a:t>
-            </a:r>
-          </a:p>
-          <a:p>
-            <a:r>
-              <a:rPr lang="ru-RU" dirty="0" smtClean="0"/>
-              <a:t>ближний бой</a:t>
-            </a:r>
-          </a:p>
-          <a:p>
-            <a:r>
-              <a:rPr lang="ru-RU" dirty="0" smtClean="0"/>
-              <a:t>бег</a:t>
-            </a:r>
-          </a:p>
-          <a:p>
-            <a:r>
-              <a:rPr lang="ru-RU" dirty="0" smtClean="0"/>
-              <a:t>прыжок</a:t>
-            </a:r>
+              <a:t>(выиграть невозможно)</a:t>
+            </a:r>
+          </a:p>
+          <a:p>
+            <a:endParaRPr lang="ru-RU" dirty="0"/>
           </a:p>
         </p:txBody>
       </p:sp>
@@ -10648,28 +11095,28 @@
               </a:pPr>
               <a:t>9</a:t>
             </a:fld>
-            <a:endParaRPr lang="en" dirty="0"/>
+            <a:endParaRPr lang="en"/>
           </a:p>
         </p:txBody>
       </p:sp>
       <p:pic>
         <p:nvPicPr>
-          <p:cNvPr id="5" name="Рисунок 4" descr="Screenshot_5.jpg"/>
+          <p:cNvPr id="5" name="Рисунок 4" descr="Screenshot_4.jpg"/>
           <p:cNvPicPr>
             <a:picLocks noChangeAspect="1"/>
           </p:cNvPicPr>
           <p:nvPr/>
         </p:nvPicPr>
         <p:blipFill>
-          <a:blip r:embed="rId2"/>
+          <a:blip r:embed="rId3"/>
           <a:stretch>
             <a:fillRect/>
           </a:stretch>
         </p:blipFill>
         <p:spPr>
           <a:xfrm>
-            <a:off x="3563888" y="1923678"/>
-            <a:ext cx="4827635" cy="3022593"/>
+            <a:off x="2051720" y="2067694"/>
+            <a:ext cx="4469762" cy="2797053"/>
           </a:xfrm>
           <a:prstGeom prst="rect">
             <a:avLst/>
